--- a/Apresentação.pptx
+++ b/Apresentação.pptx
@@ -8,17 +8,25 @@
     <p:sldId id="256" r:id="rId2"/>
     <p:sldId id="274" r:id="rId3"/>
     <p:sldId id="273" r:id="rId4"/>
-    <p:sldId id="264" r:id="rId5"/>
-    <p:sldId id="260" r:id="rId6"/>
-    <p:sldId id="271" r:id="rId7"/>
-    <p:sldId id="261" r:id="rId8"/>
-    <p:sldId id="258" r:id="rId9"/>
-    <p:sldId id="270" r:id="rId10"/>
-    <p:sldId id="269" r:id="rId11"/>
-    <p:sldId id="267" r:id="rId12"/>
-    <p:sldId id="268" r:id="rId13"/>
-    <p:sldId id="272" r:id="rId14"/>
-    <p:sldId id="266" r:id="rId15"/>
+    <p:sldId id="279" r:id="rId5"/>
+    <p:sldId id="277" r:id="rId6"/>
+    <p:sldId id="264" r:id="rId7"/>
+    <p:sldId id="275" r:id="rId8"/>
+    <p:sldId id="260" r:id="rId9"/>
+    <p:sldId id="271" r:id="rId10"/>
+    <p:sldId id="276" r:id="rId11"/>
+    <p:sldId id="258" r:id="rId12"/>
+    <p:sldId id="261" r:id="rId13"/>
+    <p:sldId id="270" r:id="rId14"/>
+    <p:sldId id="280" r:id="rId15"/>
+    <p:sldId id="269" r:id="rId16"/>
+    <p:sldId id="267" r:id="rId17"/>
+    <p:sldId id="268" r:id="rId18"/>
+    <p:sldId id="272" r:id="rId19"/>
+    <p:sldId id="266" r:id="rId20"/>
+    <p:sldId id="281" r:id="rId21"/>
+    <p:sldId id="282" r:id="rId22"/>
+    <p:sldId id="283" r:id="rId23"/>
   </p:sldIdLst>
   <p:sldSz cx="12192000" cy="6858000"/>
   <p:notesSz cx="6858000" cy="9144000"/>
@@ -847,7 +855,7 @@
           <a:p>
             <a:fld id="{D9288529-8892-42A3-98C5-19AD8E73A77C}" type="datetimeFigureOut">
               <a:rPr lang="pt-PT" smtClean="0"/>
-              <a:t>14/01/2019</a:t>
+              <a:t>15/01/2019</a:t>
             </a:fld>
             <a:endParaRPr lang="pt-PT"/>
           </a:p>
@@ -898,7 +906,7 @@
     </p:spTree>
     <p:extLst>
       <p:ext uri="{BB962C8B-B14F-4D97-AF65-F5344CB8AC3E}">
-        <p14:creationId xmlns:p14="http://schemas.microsoft.com/office/powerpoint/2010/main" val="3183068317"/>
+        <p14:creationId xmlns:p14="http://schemas.microsoft.com/office/powerpoint/2010/main" val="2142240274"/>
       </p:ext>
     </p:extLst>
   </p:cSld>
@@ -1098,7 +1106,7 @@
           <a:p>
             <a:fld id="{D9288529-8892-42A3-98C5-19AD8E73A77C}" type="datetimeFigureOut">
               <a:rPr lang="pt-PT" smtClean="0"/>
-              <a:t>14/01/2019</a:t>
+              <a:t>15/01/2019</a:t>
             </a:fld>
             <a:endParaRPr lang="pt-PT"/>
           </a:p>
@@ -1149,7 +1157,7 @@
     </p:spTree>
     <p:extLst>
       <p:ext uri="{BB962C8B-B14F-4D97-AF65-F5344CB8AC3E}">
-        <p14:creationId xmlns:p14="http://schemas.microsoft.com/office/powerpoint/2010/main" val="1341093058"/>
+        <p14:creationId xmlns:p14="http://schemas.microsoft.com/office/powerpoint/2010/main" val="1911686518"/>
       </p:ext>
     </p:extLst>
   </p:cSld>
@@ -1412,7 +1420,7 @@
           <a:p>
             <a:fld id="{D9288529-8892-42A3-98C5-19AD8E73A77C}" type="datetimeFigureOut">
               <a:rPr lang="pt-PT" smtClean="0"/>
-              <a:t>14/01/2019</a:t>
+              <a:t>15/01/2019</a:t>
             </a:fld>
             <a:endParaRPr lang="pt-PT"/>
           </a:p>
@@ -1553,7 +1561,7 @@
     </p:spTree>
     <p:extLst>
       <p:ext uri="{BB962C8B-B14F-4D97-AF65-F5344CB8AC3E}">
-        <p14:creationId xmlns:p14="http://schemas.microsoft.com/office/powerpoint/2010/main" val="237168678"/>
+        <p14:creationId xmlns:p14="http://schemas.microsoft.com/office/powerpoint/2010/main" val="525901872"/>
       </p:ext>
     </p:extLst>
   </p:cSld>
@@ -1753,7 +1761,7 @@
           <a:p>
             <a:fld id="{D9288529-8892-42A3-98C5-19AD8E73A77C}" type="datetimeFigureOut">
               <a:rPr lang="pt-PT" smtClean="0"/>
-              <a:t>14/01/2019</a:t>
+              <a:t>15/01/2019</a:t>
             </a:fld>
             <a:endParaRPr lang="pt-PT"/>
           </a:p>
@@ -1804,7 +1812,7 @@
     </p:spTree>
     <p:extLst>
       <p:ext uri="{BB962C8B-B14F-4D97-AF65-F5344CB8AC3E}">
-        <p14:creationId xmlns:p14="http://schemas.microsoft.com/office/powerpoint/2010/main" val="3959705410"/>
+        <p14:creationId xmlns:p14="http://schemas.microsoft.com/office/powerpoint/2010/main" val="2593568828"/>
       </p:ext>
     </p:extLst>
   </p:cSld>
@@ -2067,7 +2075,7 @@
           <a:p>
             <a:fld id="{D9288529-8892-42A3-98C5-19AD8E73A77C}" type="datetimeFigureOut">
               <a:rPr lang="pt-PT" smtClean="0"/>
-              <a:t>14/01/2019</a:t>
+              <a:t>15/01/2019</a:t>
             </a:fld>
             <a:endParaRPr lang="pt-PT"/>
           </a:p>
@@ -2200,7 +2208,7 @@
     </p:spTree>
     <p:extLst>
       <p:ext uri="{BB962C8B-B14F-4D97-AF65-F5344CB8AC3E}">
-        <p14:creationId xmlns:p14="http://schemas.microsoft.com/office/powerpoint/2010/main" val="75622366"/>
+        <p14:creationId xmlns:p14="http://schemas.microsoft.com/office/powerpoint/2010/main" val="1589505851"/>
       </p:ext>
     </p:extLst>
   </p:cSld>
@@ -2460,7 +2468,7 @@
           <a:p>
             <a:fld id="{D9288529-8892-42A3-98C5-19AD8E73A77C}" type="datetimeFigureOut">
               <a:rPr lang="pt-PT" smtClean="0"/>
-              <a:t>14/01/2019</a:t>
+              <a:t>15/01/2019</a:t>
             </a:fld>
             <a:endParaRPr lang="pt-PT"/>
           </a:p>
@@ -2511,7 +2519,7 @@
     </p:spTree>
     <p:extLst>
       <p:ext uri="{BB962C8B-B14F-4D97-AF65-F5344CB8AC3E}">
-        <p14:creationId xmlns:p14="http://schemas.microsoft.com/office/powerpoint/2010/main" val="3449456757"/>
+        <p14:creationId xmlns:p14="http://schemas.microsoft.com/office/powerpoint/2010/main" val="1008860532"/>
       </p:ext>
     </p:extLst>
   </p:cSld>
@@ -2630,7 +2638,7 @@
           <a:p>
             <a:fld id="{D9288529-8892-42A3-98C5-19AD8E73A77C}" type="datetimeFigureOut">
               <a:rPr lang="pt-PT" smtClean="0"/>
-              <a:t>14/01/2019</a:t>
+              <a:t>15/01/2019</a:t>
             </a:fld>
             <a:endParaRPr lang="pt-PT"/>
           </a:p>
@@ -2681,7 +2689,7 @@
     </p:spTree>
     <p:extLst>
       <p:ext uri="{BB962C8B-B14F-4D97-AF65-F5344CB8AC3E}">
-        <p14:creationId xmlns:p14="http://schemas.microsoft.com/office/powerpoint/2010/main" val="419802289"/>
+        <p14:creationId xmlns:p14="http://schemas.microsoft.com/office/powerpoint/2010/main" val="3467392843"/>
       </p:ext>
     </p:extLst>
   </p:cSld>
@@ -2810,7 +2818,7 @@
           <a:p>
             <a:fld id="{D9288529-8892-42A3-98C5-19AD8E73A77C}" type="datetimeFigureOut">
               <a:rPr lang="pt-PT" smtClean="0"/>
-              <a:t>14/01/2019</a:t>
+              <a:t>15/01/2019</a:t>
             </a:fld>
             <a:endParaRPr lang="pt-PT"/>
           </a:p>
@@ -2861,7 +2869,7 @@
     </p:spTree>
     <p:extLst>
       <p:ext uri="{BB962C8B-B14F-4D97-AF65-F5344CB8AC3E}">
-        <p14:creationId xmlns:p14="http://schemas.microsoft.com/office/powerpoint/2010/main" val="1886195400"/>
+        <p14:creationId xmlns:p14="http://schemas.microsoft.com/office/powerpoint/2010/main" val="3953105627"/>
       </p:ext>
     </p:extLst>
   </p:cSld>
@@ -2986,7 +2994,7 @@
           <a:p>
             <a:fld id="{D9288529-8892-42A3-98C5-19AD8E73A77C}" type="datetimeFigureOut">
               <a:rPr lang="pt-PT" smtClean="0"/>
-              <a:t>14/01/2019</a:t>
+              <a:t>15/01/2019</a:t>
             </a:fld>
             <a:endParaRPr lang="pt-PT"/>
           </a:p>
@@ -3037,7 +3045,7 @@
     </p:spTree>
     <p:extLst>
       <p:ext uri="{BB962C8B-B14F-4D97-AF65-F5344CB8AC3E}">
-        <p14:creationId xmlns:p14="http://schemas.microsoft.com/office/powerpoint/2010/main" val="3166194029"/>
+        <p14:creationId xmlns:p14="http://schemas.microsoft.com/office/powerpoint/2010/main" val="3237137290"/>
       </p:ext>
     </p:extLst>
   </p:cSld>
@@ -3233,7 +3241,7 @@
           <a:p>
             <a:fld id="{D9288529-8892-42A3-98C5-19AD8E73A77C}" type="datetimeFigureOut">
               <a:rPr lang="pt-PT" smtClean="0"/>
-              <a:t>14/01/2019</a:t>
+              <a:t>15/01/2019</a:t>
             </a:fld>
             <a:endParaRPr lang="pt-PT"/>
           </a:p>
@@ -3284,7 +3292,7 @@
     </p:spTree>
     <p:extLst>
       <p:ext uri="{BB962C8B-B14F-4D97-AF65-F5344CB8AC3E}">
-        <p14:creationId xmlns:p14="http://schemas.microsoft.com/office/powerpoint/2010/main" val="2007104334"/>
+        <p14:creationId xmlns:p14="http://schemas.microsoft.com/office/powerpoint/2010/main" val="3741196014"/>
       </p:ext>
     </p:extLst>
   </p:cSld>
@@ -3465,7 +3473,7 @@
           <a:p>
             <a:fld id="{D9288529-8892-42A3-98C5-19AD8E73A77C}" type="datetimeFigureOut">
               <a:rPr lang="pt-PT" smtClean="0"/>
-              <a:t>14/01/2019</a:t>
+              <a:t>15/01/2019</a:t>
             </a:fld>
             <a:endParaRPr lang="pt-PT"/>
           </a:p>
@@ -3516,7 +3524,7 @@
     </p:spTree>
     <p:extLst>
       <p:ext uri="{BB962C8B-B14F-4D97-AF65-F5344CB8AC3E}">
-        <p14:creationId xmlns:p14="http://schemas.microsoft.com/office/powerpoint/2010/main" val="3481033342"/>
+        <p14:creationId xmlns:p14="http://schemas.microsoft.com/office/powerpoint/2010/main" val="2333836452"/>
       </p:ext>
     </p:extLst>
   </p:cSld>
@@ -3839,7 +3847,7 @@
           <a:p>
             <a:fld id="{D9288529-8892-42A3-98C5-19AD8E73A77C}" type="datetimeFigureOut">
               <a:rPr lang="pt-PT" smtClean="0"/>
-              <a:t>14/01/2019</a:t>
+              <a:t>15/01/2019</a:t>
             </a:fld>
             <a:endParaRPr lang="pt-PT"/>
           </a:p>
@@ -3890,7 +3898,7 @@
     </p:spTree>
     <p:extLst>
       <p:ext uri="{BB962C8B-B14F-4D97-AF65-F5344CB8AC3E}">
-        <p14:creationId xmlns:p14="http://schemas.microsoft.com/office/powerpoint/2010/main" val="151188169"/>
+        <p14:creationId xmlns:p14="http://schemas.microsoft.com/office/powerpoint/2010/main" val="662551240"/>
       </p:ext>
     </p:extLst>
   </p:cSld>
@@ -3962,7 +3970,7 @@
           <a:p>
             <a:fld id="{D9288529-8892-42A3-98C5-19AD8E73A77C}" type="datetimeFigureOut">
               <a:rPr lang="pt-PT" smtClean="0"/>
-              <a:t>14/01/2019</a:t>
+              <a:t>15/01/2019</a:t>
             </a:fld>
             <a:endParaRPr lang="pt-PT"/>
           </a:p>
@@ -4013,7 +4021,7 @@
     </p:spTree>
     <p:extLst>
       <p:ext uri="{BB962C8B-B14F-4D97-AF65-F5344CB8AC3E}">
-        <p14:creationId xmlns:p14="http://schemas.microsoft.com/office/powerpoint/2010/main" val="3487118737"/>
+        <p14:creationId xmlns:p14="http://schemas.microsoft.com/office/powerpoint/2010/main" val="1078889371"/>
       </p:ext>
     </p:extLst>
   </p:cSld>
@@ -4057,7 +4065,7 @@
           <a:p>
             <a:fld id="{D9288529-8892-42A3-98C5-19AD8E73A77C}" type="datetimeFigureOut">
               <a:rPr lang="pt-PT" smtClean="0"/>
-              <a:t>14/01/2019</a:t>
+              <a:t>15/01/2019</a:t>
             </a:fld>
             <a:endParaRPr lang="pt-PT"/>
           </a:p>
@@ -4108,7 +4116,7 @@
     </p:spTree>
     <p:extLst>
       <p:ext uri="{BB962C8B-B14F-4D97-AF65-F5344CB8AC3E}">
-        <p14:creationId xmlns:p14="http://schemas.microsoft.com/office/powerpoint/2010/main" val="216505013"/>
+        <p14:creationId xmlns:p14="http://schemas.microsoft.com/office/powerpoint/2010/main" val="3916443892"/>
       </p:ext>
     </p:extLst>
   </p:cSld>
@@ -4312,7 +4320,7 @@
           <a:p>
             <a:fld id="{D9288529-8892-42A3-98C5-19AD8E73A77C}" type="datetimeFigureOut">
               <a:rPr lang="pt-PT" smtClean="0"/>
-              <a:t>14/01/2019</a:t>
+              <a:t>15/01/2019</a:t>
             </a:fld>
             <a:endParaRPr lang="pt-PT"/>
           </a:p>
@@ -4363,7 +4371,7 @@
     </p:spTree>
     <p:extLst>
       <p:ext uri="{BB962C8B-B14F-4D97-AF65-F5344CB8AC3E}">
-        <p14:creationId xmlns:p14="http://schemas.microsoft.com/office/powerpoint/2010/main" val="2041384399"/>
+        <p14:creationId xmlns:p14="http://schemas.microsoft.com/office/powerpoint/2010/main" val="3362311289"/>
       </p:ext>
     </p:extLst>
   </p:cSld>
@@ -4575,7 +4583,7 @@
           <a:p>
             <a:fld id="{D9288529-8892-42A3-98C5-19AD8E73A77C}" type="datetimeFigureOut">
               <a:rPr lang="pt-PT" smtClean="0"/>
-              <a:t>14/01/2019</a:t>
+              <a:t>15/01/2019</a:t>
             </a:fld>
             <a:endParaRPr lang="pt-PT"/>
           </a:p>
@@ -4626,7 +4634,7 @@
     </p:spTree>
     <p:extLst>
       <p:ext uri="{BB962C8B-B14F-4D97-AF65-F5344CB8AC3E}">
-        <p14:creationId xmlns:p14="http://schemas.microsoft.com/office/powerpoint/2010/main" val="682131685"/>
+        <p14:creationId xmlns:p14="http://schemas.microsoft.com/office/powerpoint/2010/main" val="3678434007"/>
       </p:ext>
     </p:extLst>
   </p:cSld>
@@ -5318,7 +5326,7 @@
           <a:p>
             <a:fld id="{D9288529-8892-42A3-98C5-19AD8E73A77C}" type="datetimeFigureOut">
               <a:rPr lang="pt-PT" smtClean="0"/>
-              <a:t>14/01/2019</a:t>
+              <a:t>15/01/2019</a:t>
             </a:fld>
             <a:endParaRPr lang="pt-PT"/>
           </a:p>
@@ -5403,7 +5411,7 @@
     </p:spTree>
     <p:extLst>
       <p:ext uri="{BB962C8B-B14F-4D97-AF65-F5344CB8AC3E}">
-        <p14:creationId xmlns:p14="http://schemas.microsoft.com/office/powerpoint/2010/main" val="3666954148"/>
+        <p14:creationId xmlns:p14="http://schemas.microsoft.com/office/powerpoint/2010/main" val="1961672466"/>
       </p:ext>
     </p:extLst>
   </p:cSld>
@@ -5864,10 +5872,9 @@
           <a:lstStyle/>
           <a:p>
             <a:r>
-              <a:rPr lang="pt-PT" b="1" dirty="0"/>
+              <a:rPr lang="pt-PT" dirty="0"/>
               <a:t>Gestão de Sistemas de Produção de Energia</a:t>
             </a:r>
-            <a:endParaRPr lang="pt-PT" dirty="0"/>
           </a:p>
         </p:txBody>
       </p:sp>
@@ -5913,7 +5920,7 @@
           <a:p>
             <a:r>
               <a:rPr lang="pt-PT" sz="1800" dirty="0"/>
-              <a:t>Grupo 13</a:t>
+              <a:t>Grupo 21</a:t>
             </a:r>
           </a:p>
           <a:p>
@@ -5956,7 +5963,7 @@
           <p:cNvPr id="2" name="Título 1">
             <a:extLst>
               <a:ext uri="{FF2B5EF4-FFF2-40B4-BE49-F238E27FC236}">
-                <a16:creationId xmlns:a16="http://schemas.microsoft.com/office/drawing/2014/main" id="{AD44FD1B-ECBA-40BE-904B-B77E02D6AC3E}"/>
+                <a16:creationId xmlns:a16="http://schemas.microsoft.com/office/drawing/2014/main" id="{355DE8FA-4F10-4063-8F96-2D535EBDA3B8}"/>
               </a:ext>
             </a:extLst>
           </p:cNvPr>
@@ -5974,7 +5981,14 @@
           <a:p>
             <a:r>
               <a:rPr lang="pt-PT" dirty="0"/>
-              <a:t>Índices</a:t>
+              <a:t>Modelo</a:t>
+            </a:r>
+            <a:br>
+              <a:rPr lang="pt-PT" dirty="0"/>
+            </a:br>
+            <a:r>
+              <a:rPr lang="pt-PT" dirty="0"/>
+              <a:t>lógico</a:t>
             </a:r>
           </a:p>
         </p:txBody>
@@ -5984,7 +5998,7 @@
           <p:cNvPr id="3" name="Marcador de Posição de Conteúdo 2">
             <a:extLst>
               <a:ext uri="{FF2B5EF4-FFF2-40B4-BE49-F238E27FC236}">
-                <a16:creationId xmlns:a16="http://schemas.microsoft.com/office/drawing/2014/main" id="{FAF9128D-5056-49E1-A67A-11867AA9EAB0}"/>
+                <a16:creationId xmlns:a16="http://schemas.microsoft.com/office/drawing/2014/main" id="{7E4B63BA-82A2-4D3A-9024-86552880BB3B}"/>
               </a:ext>
             </a:extLst>
           </p:cNvPr>
@@ -6000,14 +6014,29 @@
           <a:bodyPr/>
           <a:lstStyle/>
           <a:p>
-            <a:endParaRPr lang="pt-PT"/>
+            <a:r>
+              <a:rPr lang="pt-PT" dirty="0"/>
+              <a:t>O modelo lógico é construído com base no modelo conceptual.</a:t>
+            </a:r>
+          </a:p>
+          <a:p>
+            <a:r>
+              <a:rPr lang="pt-PT" dirty="0"/>
+              <a:t>Nesta fase, pensa-se na consistência, integridade e redundância de dados.</a:t>
+            </a:r>
+          </a:p>
+          <a:p>
+            <a:r>
+              <a:rPr lang="pt-PT" dirty="0"/>
+              <a:t>É também no desenvolvimento do modelo lógico que se pensa os tipos de dados de cada atributo.</a:t>
+            </a:r>
           </a:p>
         </p:txBody>
       </p:sp>
     </p:spTree>
     <p:extLst>
       <p:ext uri="{BB962C8B-B14F-4D97-AF65-F5344CB8AC3E}">
-        <p14:creationId xmlns:p14="http://schemas.microsoft.com/office/powerpoint/2010/main" val="3293478011"/>
+        <p14:creationId xmlns:p14="http://schemas.microsoft.com/office/powerpoint/2010/main" val="2665894315"/>
       </p:ext>
     </p:extLst>
   </p:cSld>
@@ -6018,805 +6047,6 @@
 </file>
 
 <file path=ppt/slides/slide11.xml><?xml version="1.0" encoding="utf-8"?>
-<p:sld xmlns:a="http://schemas.openxmlformats.org/drawingml/2006/main" xmlns:r="http://schemas.openxmlformats.org/officeDocument/2006/relationships" xmlns:p="http://schemas.openxmlformats.org/presentationml/2006/main">
-  <p:cSld>
-    <p:spTree>
-      <p:nvGrpSpPr>
-        <p:cNvPr id="1" name=""/>
-        <p:cNvGrpSpPr/>
-        <p:nvPr/>
-      </p:nvGrpSpPr>
-      <p:grpSpPr>
-        <a:xfrm>
-          <a:off x="0" y="0"/>
-          <a:ext cx="0" cy="0"/>
-          <a:chOff x="0" y="0"/>
-          <a:chExt cx="0" cy="0"/>
-        </a:xfrm>
-      </p:grpSpPr>
-      <p:sp>
-        <p:nvSpPr>
-          <p:cNvPr id="2" name="Título 1">
-            <a:extLst>
-              <a:ext uri="{FF2B5EF4-FFF2-40B4-BE49-F238E27FC236}">
-                <a16:creationId xmlns:a16="http://schemas.microsoft.com/office/drawing/2014/main" id="{1911D032-9FF7-44A7-B1B2-EBD532E73D45}"/>
-              </a:ext>
-            </a:extLst>
-          </p:cNvPr>
-          <p:cNvSpPr>
-            <a:spLocks noGrp="1"/>
-          </p:cNvSpPr>
-          <p:nvPr>
-            <p:ph type="title"/>
-          </p:nvPr>
-        </p:nvSpPr>
-        <p:spPr/>
-        <p:txBody>
-          <a:bodyPr/>
-          <a:lstStyle/>
-          <a:p>
-            <a:r>
-              <a:rPr lang="pt-PT" dirty="0"/>
-              <a:t>Transações</a:t>
-            </a:r>
-          </a:p>
-        </p:txBody>
-      </p:sp>
-      <p:sp>
-        <p:nvSpPr>
-          <p:cNvPr id="3" name="Marcador de Posição de Conteúdo 2">
-            <a:extLst>
-              <a:ext uri="{FF2B5EF4-FFF2-40B4-BE49-F238E27FC236}">
-                <a16:creationId xmlns:a16="http://schemas.microsoft.com/office/drawing/2014/main" id="{AEDE3D9B-C2D6-479C-8EA1-C30840F856F0}"/>
-              </a:ext>
-            </a:extLst>
-          </p:cNvPr>
-          <p:cNvSpPr>
-            <a:spLocks noGrp="1"/>
-          </p:cNvSpPr>
-          <p:nvPr>
-            <p:ph idx="1"/>
-          </p:nvPr>
-        </p:nvSpPr>
-        <p:spPr/>
-        <p:txBody>
-          <a:bodyPr/>
-          <a:lstStyle/>
-          <a:p>
-            <a:endParaRPr lang="pt-PT"/>
-          </a:p>
-        </p:txBody>
-      </p:sp>
-    </p:spTree>
-    <p:extLst>
-      <p:ext uri="{BB962C8B-B14F-4D97-AF65-F5344CB8AC3E}">
-        <p14:creationId xmlns:p14="http://schemas.microsoft.com/office/powerpoint/2010/main" val="3669748651"/>
-      </p:ext>
-    </p:extLst>
-  </p:cSld>
-  <p:clrMapOvr>
-    <a:masterClrMapping/>
-  </p:clrMapOvr>
-</p:sld>
-</file>
-
-<file path=ppt/slides/slide12.xml><?xml version="1.0" encoding="utf-8"?>
-<p:sld xmlns:a="http://schemas.openxmlformats.org/drawingml/2006/main" xmlns:r="http://schemas.openxmlformats.org/officeDocument/2006/relationships" xmlns:p="http://schemas.openxmlformats.org/presentationml/2006/main">
-  <p:cSld>
-    <p:spTree>
-      <p:nvGrpSpPr>
-        <p:cNvPr id="1" name=""/>
-        <p:cNvGrpSpPr/>
-        <p:nvPr/>
-      </p:nvGrpSpPr>
-      <p:grpSpPr>
-        <a:xfrm>
-          <a:off x="0" y="0"/>
-          <a:ext cx="0" cy="0"/>
-          <a:chOff x="0" y="0"/>
-          <a:chExt cx="0" cy="0"/>
-        </a:xfrm>
-      </p:grpSpPr>
-      <p:sp>
-        <p:nvSpPr>
-          <p:cNvPr id="2" name="Título 1">
-            <a:extLst>
-              <a:ext uri="{FF2B5EF4-FFF2-40B4-BE49-F238E27FC236}">
-                <a16:creationId xmlns:a16="http://schemas.microsoft.com/office/drawing/2014/main" id="{D91041CB-D0B6-406A-BA21-1BA162383751}"/>
-              </a:ext>
-            </a:extLst>
-          </p:cNvPr>
-          <p:cNvSpPr>
-            <a:spLocks noGrp="1"/>
-          </p:cNvSpPr>
-          <p:nvPr>
-            <p:ph type="title"/>
-          </p:nvPr>
-        </p:nvSpPr>
-        <p:spPr/>
-        <p:txBody>
-          <a:bodyPr/>
-          <a:lstStyle/>
-          <a:p>
-            <a:r>
-              <a:rPr lang="pt-PT" dirty="0"/>
-              <a:t>Povoamento</a:t>
-            </a:r>
-          </a:p>
-        </p:txBody>
-      </p:sp>
-      <p:sp>
-        <p:nvSpPr>
-          <p:cNvPr id="3" name="Marcador de Posição de Conteúdo 2">
-            <a:extLst>
-              <a:ext uri="{FF2B5EF4-FFF2-40B4-BE49-F238E27FC236}">
-                <a16:creationId xmlns:a16="http://schemas.microsoft.com/office/drawing/2014/main" id="{F9F691FB-2980-45E3-A02B-A7300896AF44}"/>
-              </a:ext>
-            </a:extLst>
-          </p:cNvPr>
-          <p:cNvSpPr>
-            <a:spLocks noGrp="1"/>
-          </p:cNvSpPr>
-          <p:nvPr>
-            <p:ph idx="1"/>
-          </p:nvPr>
-        </p:nvSpPr>
-        <p:spPr/>
-        <p:txBody>
-          <a:bodyPr/>
-          <a:lstStyle/>
-          <a:p>
-            <a:endParaRPr lang="pt-PT"/>
-          </a:p>
-        </p:txBody>
-      </p:sp>
-    </p:spTree>
-    <p:extLst>
-      <p:ext uri="{BB962C8B-B14F-4D97-AF65-F5344CB8AC3E}">
-        <p14:creationId xmlns:p14="http://schemas.microsoft.com/office/powerpoint/2010/main" val="169145127"/>
-      </p:ext>
-    </p:extLst>
-  </p:cSld>
-  <p:clrMapOvr>
-    <a:masterClrMapping/>
-  </p:clrMapOvr>
-</p:sld>
-</file>
-
-<file path=ppt/slides/slide13.xml><?xml version="1.0" encoding="utf-8"?>
-<p:sld xmlns:a="http://schemas.openxmlformats.org/drawingml/2006/main" xmlns:r="http://schemas.openxmlformats.org/officeDocument/2006/relationships" xmlns:p="http://schemas.openxmlformats.org/presentationml/2006/main">
-  <p:cSld>
-    <p:bg>
-      <p:bgPr>
-        <a:solidFill>
-          <a:schemeClr val="bg1"/>
-        </a:solidFill>
-        <a:effectLst/>
-      </p:bgPr>
-    </p:bg>
-    <p:spTree>
-      <p:nvGrpSpPr>
-        <p:cNvPr id="1" name=""/>
-        <p:cNvGrpSpPr/>
-        <p:nvPr/>
-      </p:nvGrpSpPr>
-      <p:grpSpPr>
-        <a:xfrm>
-          <a:off x="0" y="0"/>
-          <a:ext cx="0" cy="0"/>
-          <a:chOff x="0" y="0"/>
-          <a:chExt cx="0" cy="0"/>
-        </a:xfrm>
-      </p:grpSpPr>
-      <p:sp>
-        <p:nvSpPr>
-          <p:cNvPr id="2" name="Título 1">
-            <a:extLst>
-              <a:ext uri="{FF2B5EF4-FFF2-40B4-BE49-F238E27FC236}">
-                <a16:creationId xmlns:a16="http://schemas.microsoft.com/office/drawing/2014/main" id="{8A806109-EDCF-46BA-B29B-3A68ED64CED1}"/>
-              </a:ext>
-            </a:extLst>
-          </p:cNvPr>
-          <p:cNvSpPr>
-            <a:spLocks noGrp="1"/>
-          </p:cNvSpPr>
-          <p:nvPr>
-            <p:ph type="title"/>
-          </p:nvPr>
-        </p:nvSpPr>
-        <p:spPr>
-          <a:xfrm>
-            <a:off x="3372114" y="1083731"/>
-            <a:ext cx="8184221" cy="4758797"/>
-          </a:xfrm>
-        </p:spPr>
-        <p:txBody>
-          <a:bodyPr vert="horz" lIns="91440" tIns="45720" rIns="91440" bIns="45720" rtlCol="0" anchor="ctr">
-            <a:normAutofit/>
-          </a:bodyPr>
-          <a:lstStyle/>
-          <a:p>
-            <a:r>
-              <a:rPr lang="en-US" sz="7200" spc="-100" dirty="0"/>
-              <a:t>Sistema NoSQL</a:t>
-            </a:r>
-          </a:p>
-        </p:txBody>
-      </p:sp>
-    </p:spTree>
-    <p:extLst>
-      <p:ext uri="{BB962C8B-B14F-4D97-AF65-F5344CB8AC3E}">
-        <p14:creationId xmlns:p14="http://schemas.microsoft.com/office/powerpoint/2010/main" val="3203147526"/>
-      </p:ext>
-    </p:extLst>
-  </p:cSld>
-  <p:clrMapOvr>
-    <a:masterClrMapping/>
-  </p:clrMapOvr>
-</p:sld>
-</file>
-
-<file path=ppt/slides/slide14.xml><?xml version="1.0" encoding="utf-8"?>
-<p:sld xmlns:a="http://schemas.openxmlformats.org/drawingml/2006/main" xmlns:r="http://schemas.openxmlformats.org/officeDocument/2006/relationships" xmlns:p="http://schemas.openxmlformats.org/presentationml/2006/main">
-  <p:cSld>
-    <p:spTree>
-      <p:nvGrpSpPr>
-        <p:cNvPr id="1" name=""/>
-        <p:cNvGrpSpPr/>
-        <p:nvPr/>
-      </p:nvGrpSpPr>
-      <p:grpSpPr>
-        <a:xfrm>
-          <a:off x="0" y="0"/>
-          <a:ext cx="0" cy="0"/>
-          <a:chOff x="0" y="0"/>
-          <a:chExt cx="0" cy="0"/>
-        </a:xfrm>
-      </p:grpSpPr>
-      <p:sp>
-        <p:nvSpPr>
-          <p:cNvPr id="2" name="Título 1">
-            <a:extLst>
-              <a:ext uri="{FF2B5EF4-FFF2-40B4-BE49-F238E27FC236}">
-                <a16:creationId xmlns:a16="http://schemas.microsoft.com/office/drawing/2014/main" id="{52B1E1D0-CEF7-4357-8720-B295BB6BA92F}"/>
-              </a:ext>
-            </a:extLst>
-          </p:cNvPr>
-          <p:cNvSpPr>
-            <a:spLocks noGrp="1"/>
-          </p:cNvSpPr>
-          <p:nvPr>
-            <p:ph type="title"/>
-          </p:nvPr>
-        </p:nvSpPr>
-        <p:spPr/>
-        <p:txBody>
-          <a:bodyPr/>
-          <a:lstStyle/>
-          <a:p>
-            <a:r>
-              <a:rPr lang="pt-PT" dirty="0"/>
-              <a:t>Migração de Dados</a:t>
-            </a:r>
-          </a:p>
-        </p:txBody>
-      </p:sp>
-      <p:sp>
-        <p:nvSpPr>
-          <p:cNvPr id="3" name="Marcador de Posição de Conteúdo 2">
-            <a:extLst>
-              <a:ext uri="{FF2B5EF4-FFF2-40B4-BE49-F238E27FC236}">
-                <a16:creationId xmlns:a16="http://schemas.microsoft.com/office/drawing/2014/main" id="{20C5A328-DC8D-4764-BEE6-8227347873D7}"/>
-              </a:ext>
-            </a:extLst>
-          </p:cNvPr>
-          <p:cNvSpPr>
-            <a:spLocks noGrp="1"/>
-          </p:cNvSpPr>
-          <p:nvPr>
-            <p:ph idx="1"/>
-          </p:nvPr>
-        </p:nvSpPr>
-        <p:spPr/>
-        <p:txBody>
-          <a:bodyPr/>
-          <a:lstStyle/>
-          <a:p>
-            <a:r>
-              <a:rPr lang="pt-PT" dirty="0"/>
-              <a:t>Escrever aqui</a:t>
-            </a:r>
-          </a:p>
-        </p:txBody>
-      </p:sp>
-    </p:spTree>
-    <p:extLst>
-      <p:ext uri="{BB962C8B-B14F-4D97-AF65-F5344CB8AC3E}">
-        <p14:creationId xmlns:p14="http://schemas.microsoft.com/office/powerpoint/2010/main" val="600000467"/>
-      </p:ext>
-    </p:extLst>
-  </p:cSld>
-  <p:clrMapOvr>
-    <a:masterClrMapping/>
-  </p:clrMapOvr>
-</p:sld>
-</file>
-
-<file path=ppt/slides/slide2.xml><?xml version="1.0" encoding="utf-8"?>
-<p:sld xmlns:a="http://schemas.openxmlformats.org/drawingml/2006/main" xmlns:r="http://schemas.openxmlformats.org/officeDocument/2006/relationships" xmlns:p="http://schemas.openxmlformats.org/presentationml/2006/main">
-  <p:cSld>
-    <p:bg>
-      <p:bgPr>
-        <a:solidFill>
-          <a:schemeClr val="bg1"/>
-        </a:solidFill>
-        <a:effectLst/>
-      </p:bgPr>
-    </p:bg>
-    <p:spTree>
-      <p:nvGrpSpPr>
-        <p:cNvPr id="1" name=""/>
-        <p:cNvGrpSpPr/>
-        <p:nvPr/>
-      </p:nvGrpSpPr>
-      <p:grpSpPr>
-        <a:xfrm>
-          <a:off x="0" y="0"/>
-          <a:ext cx="0" cy="0"/>
-          <a:chOff x="0" y="0"/>
-          <a:chExt cx="0" cy="0"/>
-        </a:xfrm>
-      </p:grpSpPr>
-      <p:sp>
-        <p:nvSpPr>
-          <p:cNvPr id="3" name="Marcador de Posição de Conteúdo 2">
-            <a:extLst>
-              <a:ext uri="{FF2B5EF4-FFF2-40B4-BE49-F238E27FC236}">
-                <a16:creationId xmlns:a16="http://schemas.microsoft.com/office/drawing/2014/main" id="{8E855EE6-A2B6-45D3-B662-05F2A5D800F6}"/>
-              </a:ext>
-            </a:extLst>
-          </p:cNvPr>
-          <p:cNvSpPr>
-            <a:spLocks noGrp="1"/>
-          </p:cNvSpPr>
-          <p:nvPr>
-            <p:ph idx="1"/>
-          </p:nvPr>
-        </p:nvSpPr>
-        <p:spPr>
-          <a:xfrm>
-            <a:off x="643467" y="864108"/>
-            <a:ext cx="10905066" cy="4023578"/>
-          </a:xfrm>
-        </p:spPr>
-        <p:txBody>
-          <a:bodyPr>
-            <a:normAutofit/>
-          </a:bodyPr>
-          <a:lstStyle/>
-          <a:p>
-            <a:r>
-              <a:rPr lang="pt-PT" dirty="0"/>
-              <a:t>Este PowerPoint destina-se à apresentação do projeto desenvolvido pelo grupo 13 da Unidade Curricular de Bases de Dados, do ano letivo 2018/2019.</a:t>
-            </a:r>
-          </a:p>
-          <a:p>
-            <a:r>
-              <a:rPr lang="pt-PT" dirty="0"/>
-              <a:t>O grupo é constituído por:</a:t>
-            </a:r>
-          </a:p>
-          <a:p>
-            <a:pPr lvl="1"/>
-            <a:r>
-              <a:rPr lang="pt-PT" dirty="0"/>
-              <a:t>(PREENCHER)</a:t>
-            </a:r>
-          </a:p>
-          <a:p>
-            <a:pPr lvl="1"/>
-            <a:endParaRPr lang="pt-PT" dirty="0"/>
-          </a:p>
-        </p:txBody>
-      </p:sp>
-    </p:spTree>
-    <p:extLst>
-      <p:ext uri="{BB962C8B-B14F-4D97-AF65-F5344CB8AC3E}">
-        <p14:creationId xmlns:p14="http://schemas.microsoft.com/office/powerpoint/2010/main" val="4277672166"/>
-      </p:ext>
-    </p:extLst>
-  </p:cSld>
-  <p:clrMapOvr>
-    <a:masterClrMapping/>
-  </p:clrMapOvr>
-</p:sld>
-</file>
-
-<file path=ppt/slides/slide3.xml><?xml version="1.0" encoding="utf-8"?>
-<p:sld xmlns:a="http://schemas.openxmlformats.org/drawingml/2006/main" xmlns:r="http://schemas.openxmlformats.org/officeDocument/2006/relationships" xmlns:p="http://schemas.openxmlformats.org/presentationml/2006/main">
-  <p:cSld>
-    <p:bg>
-      <p:bgPr>
-        <a:solidFill>
-          <a:schemeClr val="bg1"/>
-        </a:solidFill>
-        <a:effectLst/>
-      </p:bgPr>
-    </p:bg>
-    <p:spTree>
-      <p:nvGrpSpPr>
-        <p:cNvPr id="1" name=""/>
-        <p:cNvGrpSpPr/>
-        <p:nvPr/>
-      </p:nvGrpSpPr>
-      <p:grpSpPr>
-        <a:xfrm>
-          <a:off x="0" y="0"/>
-          <a:ext cx="0" cy="0"/>
-          <a:chOff x="0" y="0"/>
-          <a:chExt cx="0" cy="0"/>
-        </a:xfrm>
-      </p:grpSpPr>
-      <p:sp>
-        <p:nvSpPr>
-          <p:cNvPr id="2" name="Título 1">
-            <a:extLst>
-              <a:ext uri="{FF2B5EF4-FFF2-40B4-BE49-F238E27FC236}">
-                <a16:creationId xmlns:a16="http://schemas.microsoft.com/office/drawing/2014/main" id="{8A806109-EDCF-46BA-B29B-3A68ED64CED1}"/>
-              </a:ext>
-            </a:extLst>
-          </p:cNvPr>
-          <p:cNvSpPr>
-            <a:spLocks noGrp="1"/>
-          </p:cNvSpPr>
-          <p:nvPr>
-            <p:ph type="title"/>
-          </p:nvPr>
-        </p:nvSpPr>
-        <p:spPr>
-          <a:xfrm>
-            <a:off x="3372114" y="1083731"/>
-            <a:ext cx="8184221" cy="4758797"/>
-          </a:xfrm>
-        </p:spPr>
-        <p:txBody>
-          <a:bodyPr vert="horz" lIns="91440" tIns="45720" rIns="91440" bIns="45720" rtlCol="0" anchor="ctr">
-            <a:normAutofit/>
-          </a:bodyPr>
-          <a:lstStyle/>
-          <a:p>
-            <a:r>
-              <a:rPr lang="en-US" sz="7200" spc="-100" dirty="0"/>
-              <a:t>Sistema SQL</a:t>
-            </a:r>
-          </a:p>
-        </p:txBody>
-      </p:sp>
-    </p:spTree>
-    <p:extLst>
-      <p:ext uri="{BB962C8B-B14F-4D97-AF65-F5344CB8AC3E}">
-        <p14:creationId xmlns:p14="http://schemas.microsoft.com/office/powerpoint/2010/main" val="142937319"/>
-      </p:ext>
-    </p:extLst>
-  </p:cSld>
-  <p:clrMapOvr>
-    <a:masterClrMapping/>
-  </p:clrMapOvr>
-</p:sld>
-</file>
-
-<file path=ppt/slides/slide4.xml><?xml version="1.0" encoding="utf-8"?>
-<p:sld xmlns:a="http://schemas.openxmlformats.org/drawingml/2006/main" xmlns:r="http://schemas.openxmlformats.org/officeDocument/2006/relationships" xmlns:p="http://schemas.openxmlformats.org/presentationml/2006/main">
-  <p:cSld>
-    <p:bg>
-      <p:bgPr>
-        <a:solidFill>
-          <a:schemeClr val="bg1"/>
-        </a:solidFill>
-        <a:effectLst/>
-      </p:bgPr>
-    </p:bg>
-    <p:spTree>
-      <p:nvGrpSpPr>
-        <p:cNvPr id="1" name=""/>
-        <p:cNvGrpSpPr/>
-        <p:nvPr/>
-      </p:nvGrpSpPr>
-      <p:grpSpPr>
-        <a:xfrm>
-          <a:off x="0" y="0"/>
-          <a:ext cx="0" cy="0"/>
-          <a:chOff x="0" y="0"/>
-          <a:chExt cx="0" cy="0"/>
-        </a:xfrm>
-      </p:grpSpPr>
-      <p:sp>
-        <p:nvSpPr>
-          <p:cNvPr id="2" name="Título 1">
-            <a:extLst>
-              <a:ext uri="{FF2B5EF4-FFF2-40B4-BE49-F238E27FC236}">
-                <a16:creationId xmlns:a16="http://schemas.microsoft.com/office/drawing/2014/main" id="{8A806109-EDCF-46BA-B29B-3A68ED64CED1}"/>
-              </a:ext>
-            </a:extLst>
-          </p:cNvPr>
-          <p:cNvSpPr>
-            <a:spLocks noGrp="1"/>
-          </p:cNvSpPr>
-          <p:nvPr>
-            <p:ph type="title"/>
-          </p:nvPr>
-        </p:nvSpPr>
-        <p:spPr>
-          <a:xfrm>
-            <a:off x="3722622" y="1298448"/>
-            <a:ext cx="7187529" cy="2951819"/>
-          </a:xfrm>
-        </p:spPr>
-        <p:txBody>
-          <a:bodyPr vert="horz" lIns="91440" tIns="45720" rIns="91440" bIns="45720" rtlCol="0" anchor="b">
-            <a:normAutofit/>
-          </a:bodyPr>
-          <a:lstStyle/>
-          <a:p>
-            <a:r>
-              <a:rPr lang="en-US" sz="5400" spc="-100" dirty="0" err="1"/>
-              <a:t>Modelo</a:t>
-            </a:r>
-            <a:r>
-              <a:rPr lang="en-US" sz="5400" spc="-100" dirty="0"/>
-              <a:t> conceptual</a:t>
-            </a:r>
-          </a:p>
-        </p:txBody>
-      </p:sp>
-    </p:spTree>
-    <p:extLst>
-      <p:ext uri="{BB962C8B-B14F-4D97-AF65-F5344CB8AC3E}">
-        <p14:creationId xmlns:p14="http://schemas.microsoft.com/office/powerpoint/2010/main" val="2193795941"/>
-      </p:ext>
-    </p:extLst>
-  </p:cSld>
-  <p:clrMapOvr>
-    <a:masterClrMapping/>
-  </p:clrMapOvr>
-</p:sld>
-</file>
-
-<file path=ppt/slides/slide5.xml><?xml version="1.0" encoding="utf-8"?>
-<p:sld xmlns:a="http://schemas.openxmlformats.org/drawingml/2006/main" xmlns:r="http://schemas.openxmlformats.org/officeDocument/2006/relationships" xmlns:p="http://schemas.openxmlformats.org/presentationml/2006/main">
-  <p:cSld>
-    <p:bg>
-      <p:bgPr>
-        <a:solidFill>
-          <a:schemeClr val="bg1"/>
-        </a:solidFill>
-        <a:effectLst/>
-      </p:bgPr>
-    </p:bg>
-    <p:spTree>
-      <p:nvGrpSpPr>
-        <p:cNvPr id="1" name=""/>
-        <p:cNvGrpSpPr/>
-        <p:nvPr/>
-      </p:nvGrpSpPr>
-      <p:grpSpPr>
-        <a:xfrm>
-          <a:off x="0" y="0"/>
-          <a:ext cx="0" cy="0"/>
-          <a:chOff x="0" y="0"/>
-          <a:chExt cx="0" cy="0"/>
-        </a:xfrm>
-      </p:grpSpPr>
-      <p:pic>
-        <p:nvPicPr>
-          <p:cNvPr id="44" name="Marcador de Posição de Conteúdo 4">
-            <a:extLst>
-              <a:ext uri="{FF2B5EF4-FFF2-40B4-BE49-F238E27FC236}">
-                <a16:creationId xmlns:a16="http://schemas.microsoft.com/office/drawing/2014/main" id="{127EB281-BBF5-4FFC-ABBD-206E2CD16E7B}"/>
-              </a:ext>
-            </a:extLst>
-          </p:cNvPr>
-          <p:cNvPicPr>
-            <a:picLocks noGrp="1" noChangeAspect="1"/>
-          </p:cNvPicPr>
-          <p:nvPr>
-            <p:ph idx="1"/>
-          </p:nvPr>
-        </p:nvPicPr>
-        <p:blipFill>
-          <a:blip r:embed="rId2">
-            <a:extLst>
-              <a:ext uri="{28A0092B-C50C-407E-A947-70E740481C1C}">
-                <a14:useLocalDpi xmlns:a14="http://schemas.microsoft.com/office/drawing/2010/main" val="0"/>
-              </a:ext>
-            </a:extLst>
-          </a:blip>
-          <a:stretch>
-            <a:fillRect/>
-          </a:stretch>
-        </p:blipFill>
-        <p:spPr>
-          <a:xfrm>
-            <a:off x="1075093" y="771434"/>
-            <a:ext cx="10041815" cy="5271953"/>
-          </a:xfrm>
-          <a:prstGeom prst="rect">
-            <a:avLst/>
-          </a:prstGeom>
-        </p:spPr>
-      </p:pic>
-    </p:spTree>
-    <p:extLst>
-      <p:ext uri="{BB962C8B-B14F-4D97-AF65-F5344CB8AC3E}">
-        <p14:creationId xmlns:p14="http://schemas.microsoft.com/office/powerpoint/2010/main" val="2800075085"/>
-      </p:ext>
-    </p:extLst>
-  </p:cSld>
-  <p:clrMapOvr>
-    <a:masterClrMapping/>
-  </p:clrMapOvr>
-</p:sld>
-</file>
-
-<file path=ppt/slides/slide6.xml><?xml version="1.0" encoding="utf-8"?>
-<p:sld xmlns:a="http://schemas.openxmlformats.org/drawingml/2006/main" xmlns:r="http://schemas.openxmlformats.org/officeDocument/2006/relationships" xmlns:p="http://schemas.openxmlformats.org/presentationml/2006/main">
-  <p:cSld>
-    <p:bg>
-      <p:bgPr>
-        <a:solidFill>
-          <a:schemeClr val="bg1"/>
-        </a:solidFill>
-        <a:effectLst/>
-      </p:bgPr>
-    </p:bg>
-    <p:spTree>
-      <p:nvGrpSpPr>
-        <p:cNvPr id="1" name=""/>
-        <p:cNvGrpSpPr/>
-        <p:nvPr/>
-      </p:nvGrpSpPr>
-      <p:grpSpPr>
-        <a:xfrm>
-          <a:off x="0" y="0"/>
-          <a:ext cx="0" cy="0"/>
-          <a:chOff x="0" y="0"/>
-          <a:chExt cx="0" cy="0"/>
-        </a:xfrm>
-      </p:grpSpPr>
-      <p:sp>
-        <p:nvSpPr>
-          <p:cNvPr id="2" name="Título 1">
-            <a:extLst>
-              <a:ext uri="{FF2B5EF4-FFF2-40B4-BE49-F238E27FC236}">
-                <a16:creationId xmlns:a16="http://schemas.microsoft.com/office/drawing/2014/main" id="{8A806109-EDCF-46BA-B29B-3A68ED64CED1}"/>
-              </a:ext>
-            </a:extLst>
-          </p:cNvPr>
-          <p:cNvSpPr>
-            <a:spLocks noGrp="1"/>
-          </p:cNvSpPr>
-          <p:nvPr>
-            <p:ph type="title"/>
-          </p:nvPr>
-        </p:nvSpPr>
-        <p:spPr>
-          <a:xfrm>
-            <a:off x="3722622" y="1298448"/>
-            <a:ext cx="7187529" cy="2951819"/>
-          </a:xfrm>
-        </p:spPr>
-        <p:txBody>
-          <a:bodyPr vert="horz" lIns="91440" tIns="45720" rIns="91440" bIns="45720" rtlCol="0" anchor="b">
-            <a:normAutofit/>
-          </a:bodyPr>
-          <a:lstStyle/>
-          <a:p>
-            <a:r>
-              <a:rPr lang="en-US" sz="5400" spc="-100" dirty="0" err="1"/>
-              <a:t>Modelo</a:t>
-            </a:r>
-            <a:r>
-              <a:rPr lang="en-US" sz="5400" spc="-100" dirty="0"/>
-              <a:t> </a:t>
-            </a:r>
-            <a:r>
-              <a:rPr lang="en-US" sz="5400" spc="-100" dirty="0" err="1"/>
-              <a:t>lógico</a:t>
-            </a:r>
-            <a:endParaRPr lang="en-US" sz="5400" spc="-100" dirty="0"/>
-          </a:p>
-        </p:txBody>
-      </p:sp>
-    </p:spTree>
-    <p:extLst>
-      <p:ext uri="{BB962C8B-B14F-4D97-AF65-F5344CB8AC3E}">
-        <p14:creationId xmlns:p14="http://schemas.microsoft.com/office/powerpoint/2010/main" val="418045149"/>
-      </p:ext>
-    </p:extLst>
-  </p:cSld>
-  <p:clrMapOvr>
-    <a:masterClrMapping/>
-  </p:clrMapOvr>
-</p:sld>
-</file>
-
-<file path=ppt/slides/slide7.xml><?xml version="1.0" encoding="utf-8"?>
-<p:sld xmlns:a="http://schemas.openxmlformats.org/drawingml/2006/main" xmlns:r="http://schemas.openxmlformats.org/officeDocument/2006/relationships" xmlns:p="http://schemas.openxmlformats.org/presentationml/2006/main">
-  <p:cSld>
-    <p:bg>
-      <p:bgPr>
-        <a:solidFill>
-          <a:schemeClr val="bg1"/>
-        </a:solidFill>
-        <a:effectLst/>
-      </p:bgPr>
-    </p:bg>
-    <p:spTree>
-      <p:nvGrpSpPr>
-        <p:cNvPr id="1" name=""/>
-        <p:cNvGrpSpPr/>
-        <p:nvPr/>
-      </p:nvGrpSpPr>
-      <p:grpSpPr>
-        <a:xfrm>
-          <a:off x="0" y="0"/>
-          <a:ext cx="0" cy="0"/>
-          <a:chOff x="0" y="0"/>
-          <a:chExt cx="0" cy="0"/>
-        </a:xfrm>
-      </p:grpSpPr>
-      <p:pic>
-        <p:nvPicPr>
-          <p:cNvPr id="44" name="Marcador de Posição de Conteúdo 4">
-            <a:extLst>
-              <a:ext uri="{FF2B5EF4-FFF2-40B4-BE49-F238E27FC236}">
-                <a16:creationId xmlns:a16="http://schemas.microsoft.com/office/drawing/2014/main" id="{127EB281-BBF5-4FFC-ABBD-206E2CD16E7B}"/>
-              </a:ext>
-            </a:extLst>
-          </p:cNvPr>
-          <p:cNvPicPr>
-            <a:picLocks noGrp="1" noChangeAspect="1"/>
-          </p:cNvPicPr>
-          <p:nvPr>
-            <p:ph idx="1"/>
-          </p:nvPr>
-        </p:nvPicPr>
-        <p:blipFill>
-          <a:blip r:embed="rId2">
-            <a:extLst>
-              <a:ext uri="{28A0092B-C50C-407E-A947-70E740481C1C}">
-                <a14:useLocalDpi xmlns:a14="http://schemas.microsoft.com/office/drawing/2010/main" val="0"/>
-              </a:ext>
-            </a:extLst>
-          </a:blip>
-          <a:stretch>
-            <a:fillRect/>
-          </a:stretch>
-        </p:blipFill>
-        <p:spPr>
-          <a:xfrm>
-            <a:off x="1523564" y="566692"/>
-            <a:ext cx="9144872" cy="5681436"/>
-          </a:xfrm>
-          <a:prstGeom prst="rect">
-            <a:avLst/>
-          </a:prstGeom>
-        </p:spPr>
-      </p:pic>
-    </p:spTree>
-    <p:extLst>
-      <p:ext uri="{BB962C8B-B14F-4D97-AF65-F5344CB8AC3E}">
-        <p14:creationId xmlns:p14="http://schemas.microsoft.com/office/powerpoint/2010/main" val="2889818642"/>
-      </p:ext>
-    </p:extLst>
-  </p:cSld>
-  <p:clrMapOvr>
-    <a:masterClrMapping/>
-  </p:clrMapOvr>
-</p:sld>
-</file>
-
-<file path=ppt/slides/slide8.xml><?xml version="1.0" encoding="utf-8"?>
 <p:sld xmlns:a="http://schemas.openxmlformats.org/drawingml/2006/main" xmlns:r="http://schemas.openxmlformats.org/officeDocument/2006/relationships" xmlns:p="http://schemas.openxmlformats.org/presentationml/2006/main">
   <p:cSld>
     <p:bg>
@@ -6962,6 +6192,1668 @@
 </p:sld>
 </file>
 
+<file path=ppt/slides/slide12.xml><?xml version="1.0" encoding="utf-8"?>
+<p:sld xmlns:a="http://schemas.openxmlformats.org/drawingml/2006/main" xmlns:r="http://schemas.openxmlformats.org/officeDocument/2006/relationships" xmlns:p="http://schemas.openxmlformats.org/presentationml/2006/main">
+  <p:cSld>
+    <p:bg>
+      <p:bgPr>
+        <a:solidFill>
+          <a:schemeClr val="bg1"/>
+        </a:solidFill>
+        <a:effectLst/>
+      </p:bgPr>
+    </p:bg>
+    <p:spTree>
+      <p:nvGrpSpPr>
+        <p:cNvPr id="1" name=""/>
+        <p:cNvGrpSpPr/>
+        <p:nvPr/>
+      </p:nvGrpSpPr>
+      <p:grpSpPr>
+        <a:xfrm>
+          <a:off x="0" y="0"/>
+          <a:ext cx="0" cy="0"/>
+          <a:chOff x="0" y="0"/>
+          <a:chExt cx="0" cy="0"/>
+        </a:xfrm>
+      </p:grpSpPr>
+      <p:pic>
+        <p:nvPicPr>
+          <p:cNvPr id="44" name="Marcador de Posição de Conteúdo 4">
+            <a:extLst>
+              <a:ext uri="{FF2B5EF4-FFF2-40B4-BE49-F238E27FC236}">
+                <a16:creationId xmlns:a16="http://schemas.microsoft.com/office/drawing/2014/main" id="{127EB281-BBF5-4FFC-ABBD-206E2CD16E7B}"/>
+              </a:ext>
+            </a:extLst>
+          </p:cNvPr>
+          <p:cNvPicPr>
+            <a:picLocks noGrp="1" noChangeAspect="1"/>
+          </p:cNvPicPr>
+          <p:nvPr>
+            <p:ph idx="1"/>
+          </p:nvPr>
+        </p:nvPicPr>
+        <p:blipFill>
+          <a:blip r:embed="rId2">
+            <a:extLst>
+              <a:ext uri="{28A0092B-C50C-407E-A947-70E740481C1C}">
+                <a14:useLocalDpi xmlns:a14="http://schemas.microsoft.com/office/drawing/2010/main" val="0"/>
+              </a:ext>
+            </a:extLst>
+          </a:blip>
+          <a:stretch>
+            <a:fillRect/>
+          </a:stretch>
+        </p:blipFill>
+        <p:spPr>
+          <a:xfrm>
+            <a:off x="1523564" y="566692"/>
+            <a:ext cx="9144872" cy="5681436"/>
+          </a:xfrm>
+          <a:prstGeom prst="rect">
+            <a:avLst/>
+          </a:prstGeom>
+        </p:spPr>
+      </p:pic>
+    </p:spTree>
+    <p:extLst>
+      <p:ext uri="{BB962C8B-B14F-4D97-AF65-F5344CB8AC3E}">
+        <p14:creationId xmlns:p14="http://schemas.microsoft.com/office/powerpoint/2010/main" val="2889818642"/>
+      </p:ext>
+    </p:extLst>
+  </p:cSld>
+  <p:clrMapOvr>
+    <a:masterClrMapping/>
+  </p:clrMapOvr>
+</p:sld>
+</file>
+
+<file path=ppt/slides/slide13.xml><?xml version="1.0" encoding="utf-8"?>
+<p:sld xmlns:a="http://schemas.openxmlformats.org/drawingml/2006/main" xmlns:r="http://schemas.openxmlformats.org/officeDocument/2006/relationships" xmlns:p="http://schemas.openxmlformats.org/presentationml/2006/main">
+  <p:cSld>
+    <p:bg>
+      <p:bgPr>
+        <a:solidFill>
+          <a:schemeClr val="bg1"/>
+        </a:solidFill>
+        <a:effectLst/>
+      </p:bgPr>
+    </p:bg>
+    <p:spTree>
+      <p:nvGrpSpPr>
+        <p:cNvPr id="1" name=""/>
+        <p:cNvGrpSpPr/>
+        <p:nvPr/>
+      </p:nvGrpSpPr>
+      <p:grpSpPr>
+        <a:xfrm>
+          <a:off x="0" y="0"/>
+          <a:ext cx="0" cy="0"/>
+          <a:chOff x="0" y="0"/>
+          <a:chExt cx="0" cy="0"/>
+        </a:xfrm>
+      </p:grpSpPr>
+      <p:sp>
+        <p:nvSpPr>
+          <p:cNvPr id="2" name="Título 1">
+            <a:extLst>
+              <a:ext uri="{FF2B5EF4-FFF2-40B4-BE49-F238E27FC236}">
+                <a16:creationId xmlns:a16="http://schemas.microsoft.com/office/drawing/2014/main" id="{8A806109-EDCF-46BA-B29B-3A68ED64CED1}"/>
+              </a:ext>
+            </a:extLst>
+          </p:cNvPr>
+          <p:cNvSpPr>
+            <a:spLocks noGrp="1"/>
+          </p:cNvSpPr>
+          <p:nvPr>
+            <p:ph type="title"/>
+          </p:nvPr>
+        </p:nvSpPr>
+        <p:spPr>
+          <a:xfrm>
+            <a:off x="3722622" y="1298448"/>
+            <a:ext cx="7187529" cy="2951819"/>
+          </a:xfrm>
+        </p:spPr>
+        <p:txBody>
+          <a:bodyPr vert="horz" lIns="91440" tIns="45720" rIns="91440" bIns="45720" rtlCol="0" anchor="b">
+            <a:normAutofit/>
+          </a:bodyPr>
+          <a:lstStyle/>
+          <a:p>
+            <a:r>
+              <a:rPr lang="en-US" sz="5400" spc="-100"/>
+              <a:t>Implementação física</a:t>
+            </a:r>
+          </a:p>
+        </p:txBody>
+      </p:sp>
+    </p:spTree>
+    <p:extLst>
+      <p:ext uri="{BB962C8B-B14F-4D97-AF65-F5344CB8AC3E}">
+        <p14:creationId xmlns:p14="http://schemas.microsoft.com/office/powerpoint/2010/main" val="1783178158"/>
+      </p:ext>
+    </p:extLst>
+  </p:cSld>
+  <p:clrMapOvr>
+    <a:masterClrMapping/>
+  </p:clrMapOvr>
+</p:sld>
+</file>
+
+<file path=ppt/slides/slide14.xml><?xml version="1.0" encoding="utf-8"?>
+<p:sld xmlns:a="http://schemas.openxmlformats.org/drawingml/2006/main" xmlns:r="http://schemas.openxmlformats.org/officeDocument/2006/relationships" xmlns:p="http://schemas.openxmlformats.org/presentationml/2006/main">
+  <p:cSld>
+    <p:spTree>
+      <p:nvGrpSpPr>
+        <p:cNvPr id="1" name=""/>
+        <p:cNvGrpSpPr/>
+        <p:nvPr/>
+      </p:nvGrpSpPr>
+      <p:grpSpPr>
+        <a:xfrm>
+          <a:off x="0" y="0"/>
+          <a:ext cx="0" cy="0"/>
+          <a:chOff x="0" y="0"/>
+          <a:chExt cx="0" cy="0"/>
+        </a:xfrm>
+      </p:grpSpPr>
+      <p:sp>
+        <p:nvSpPr>
+          <p:cNvPr id="2" name="Título 1">
+            <a:extLst>
+              <a:ext uri="{FF2B5EF4-FFF2-40B4-BE49-F238E27FC236}">
+                <a16:creationId xmlns:a16="http://schemas.microsoft.com/office/drawing/2014/main" id="{9433D6C6-DFD4-483E-AAC9-34D5BBC75AB3}"/>
+              </a:ext>
+            </a:extLst>
+          </p:cNvPr>
+          <p:cNvSpPr>
+            <a:spLocks noGrp="1"/>
+          </p:cNvSpPr>
+          <p:nvPr>
+            <p:ph type="title"/>
+          </p:nvPr>
+        </p:nvSpPr>
+        <p:spPr/>
+        <p:txBody>
+          <a:bodyPr/>
+          <a:lstStyle/>
+          <a:p>
+            <a:r>
+              <a:rPr lang="pt-PT" dirty="0"/>
+              <a:t>Vistas</a:t>
+            </a:r>
+          </a:p>
+        </p:txBody>
+      </p:sp>
+      <p:sp>
+        <p:nvSpPr>
+          <p:cNvPr id="3" name="Marcador de Posição de Conteúdo 2">
+            <a:extLst>
+              <a:ext uri="{FF2B5EF4-FFF2-40B4-BE49-F238E27FC236}">
+                <a16:creationId xmlns:a16="http://schemas.microsoft.com/office/drawing/2014/main" id="{961ECABE-6E51-44EF-A021-C6A63273FBFF}"/>
+              </a:ext>
+            </a:extLst>
+          </p:cNvPr>
+          <p:cNvSpPr>
+            <a:spLocks noGrp="1"/>
+          </p:cNvSpPr>
+          <p:nvPr>
+            <p:ph idx="1"/>
+          </p:nvPr>
+        </p:nvSpPr>
+        <p:spPr/>
+        <p:txBody>
+          <a:bodyPr/>
+          <a:lstStyle/>
+          <a:p>
+            <a:r>
+              <a:rPr lang="pt-PT" dirty="0"/>
+              <a:t>As vistas permitem ter guardadas algumas </a:t>
+            </a:r>
+            <a:r>
+              <a:rPr lang="pt-PT" i="1" dirty="0"/>
+              <a:t>queries</a:t>
+            </a:r>
+            <a:r>
+              <a:rPr lang="pt-PT" dirty="0"/>
+              <a:t>, evitando a sucessiva repetição das mesmas.</a:t>
+            </a:r>
+          </a:p>
+          <a:p>
+            <a:r>
+              <a:rPr lang="pt-PT" dirty="0"/>
+              <a:t>Criaram-se vistas para (…).</a:t>
+            </a:r>
+          </a:p>
+        </p:txBody>
+      </p:sp>
+    </p:spTree>
+    <p:extLst>
+      <p:ext uri="{BB962C8B-B14F-4D97-AF65-F5344CB8AC3E}">
+        <p14:creationId xmlns:p14="http://schemas.microsoft.com/office/powerpoint/2010/main" val="3523014683"/>
+      </p:ext>
+    </p:extLst>
+  </p:cSld>
+  <p:clrMapOvr>
+    <a:masterClrMapping/>
+  </p:clrMapOvr>
+</p:sld>
+</file>
+
+<file path=ppt/slides/slide15.xml><?xml version="1.0" encoding="utf-8"?>
+<p:sld xmlns:a="http://schemas.openxmlformats.org/drawingml/2006/main" xmlns:r="http://schemas.openxmlformats.org/officeDocument/2006/relationships" xmlns:p="http://schemas.openxmlformats.org/presentationml/2006/main">
+  <p:cSld>
+    <p:spTree>
+      <p:nvGrpSpPr>
+        <p:cNvPr id="1" name=""/>
+        <p:cNvGrpSpPr/>
+        <p:nvPr/>
+      </p:nvGrpSpPr>
+      <p:grpSpPr>
+        <a:xfrm>
+          <a:off x="0" y="0"/>
+          <a:ext cx="0" cy="0"/>
+          <a:chOff x="0" y="0"/>
+          <a:chExt cx="0" cy="0"/>
+        </a:xfrm>
+      </p:grpSpPr>
+      <p:sp>
+        <p:nvSpPr>
+          <p:cNvPr id="2" name="Título 1">
+            <a:extLst>
+              <a:ext uri="{FF2B5EF4-FFF2-40B4-BE49-F238E27FC236}">
+                <a16:creationId xmlns:a16="http://schemas.microsoft.com/office/drawing/2014/main" id="{AD44FD1B-ECBA-40BE-904B-B77E02D6AC3E}"/>
+              </a:ext>
+            </a:extLst>
+          </p:cNvPr>
+          <p:cNvSpPr>
+            <a:spLocks noGrp="1"/>
+          </p:cNvSpPr>
+          <p:nvPr>
+            <p:ph type="title"/>
+          </p:nvPr>
+        </p:nvSpPr>
+        <p:spPr/>
+        <p:txBody>
+          <a:bodyPr/>
+          <a:lstStyle/>
+          <a:p>
+            <a:r>
+              <a:rPr lang="pt-PT" dirty="0"/>
+              <a:t>Índices</a:t>
+            </a:r>
+          </a:p>
+        </p:txBody>
+      </p:sp>
+      <p:sp>
+        <p:nvSpPr>
+          <p:cNvPr id="3" name="Marcador de Posição de Conteúdo 2">
+            <a:extLst>
+              <a:ext uri="{FF2B5EF4-FFF2-40B4-BE49-F238E27FC236}">
+                <a16:creationId xmlns:a16="http://schemas.microsoft.com/office/drawing/2014/main" id="{FAF9128D-5056-49E1-A67A-11867AA9EAB0}"/>
+              </a:ext>
+            </a:extLst>
+          </p:cNvPr>
+          <p:cNvSpPr>
+            <a:spLocks noGrp="1"/>
+          </p:cNvSpPr>
+          <p:nvPr>
+            <p:ph idx="1"/>
+          </p:nvPr>
+        </p:nvSpPr>
+        <p:spPr/>
+        <p:txBody>
+          <a:bodyPr/>
+          <a:lstStyle/>
+          <a:p>
+            <a:r>
+              <a:rPr lang="pt-PT" dirty="0"/>
+              <a:t>Os índices permitem melhorar o desempenho de certas </a:t>
+            </a:r>
+            <a:r>
+              <a:rPr lang="pt-PT" i="1" dirty="0"/>
+              <a:t>queries</a:t>
+            </a:r>
+            <a:r>
+              <a:rPr lang="pt-PT" dirty="0"/>
+              <a:t>.</a:t>
+            </a:r>
+          </a:p>
+          <a:p>
+            <a:r>
+              <a:rPr lang="pt-PT" dirty="0"/>
+              <a:t>Foi aplicado um índice ao nome e apelido dos autores, de forma a tornar mais rápida a procura por nome de autor.</a:t>
+            </a:r>
+          </a:p>
+          <a:p>
+            <a:r>
+              <a:rPr lang="pt-PT" dirty="0"/>
+              <a:t>Foi aplicado um índice ao título dos livros, de forma a tornar mais rápida a procura por título de livro.</a:t>
+            </a:r>
+          </a:p>
+          <a:p>
+            <a:endParaRPr lang="pt-PT" dirty="0"/>
+          </a:p>
+        </p:txBody>
+      </p:sp>
+    </p:spTree>
+    <p:extLst>
+      <p:ext uri="{BB962C8B-B14F-4D97-AF65-F5344CB8AC3E}">
+        <p14:creationId xmlns:p14="http://schemas.microsoft.com/office/powerpoint/2010/main" val="3293478011"/>
+      </p:ext>
+    </p:extLst>
+  </p:cSld>
+  <p:clrMapOvr>
+    <a:masterClrMapping/>
+  </p:clrMapOvr>
+</p:sld>
+</file>
+
+<file path=ppt/slides/slide16.xml><?xml version="1.0" encoding="utf-8"?>
+<p:sld xmlns:a="http://schemas.openxmlformats.org/drawingml/2006/main" xmlns:r="http://schemas.openxmlformats.org/officeDocument/2006/relationships" xmlns:p="http://schemas.openxmlformats.org/presentationml/2006/main">
+  <p:cSld>
+    <p:spTree>
+      <p:nvGrpSpPr>
+        <p:cNvPr id="1" name=""/>
+        <p:cNvGrpSpPr/>
+        <p:nvPr/>
+      </p:nvGrpSpPr>
+      <p:grpSpPr>
+        <a:xfrm>
+          <a:off x="0" y="0"/>
+          <a:ext cx="0" cy="0"/>
+          <a:chOff x="0" y="0"/>
+          <a:chExt cx="0" cy="0"/>
+        </a:xfrm>
+      </p:grpSpPr>
+      <p:sp>
+        <p:nvSpPr>
+          <p:cNvPr id="2" name="Título 1">
+            <a:extLst>
+              <a:ext uri="{FF2B5EF4-FFF2-40B4-BE49-F238E27FC236}">
+                <a16:creationId xmlns:a16="http://schemas.microsoft.com/office/drawing/2014/main" id="{1911D032-9FF7-44A7-B1B2-EBD532E73D45}"/>
+              </a:ext>
+            </a:extLst>
+          </p:cNvPr>
+          <p:cNvSpPr>
+            <a:spLocks noGrp="1"/>
+          </p:cNvSpPr>
+          <p:nvPr>
+            <p:ph type="title"/>
+          </p:nvPr>
+        </p:nvSpPr>
+        <p:spPr/>
+        <p:txBody>
+          <a:bodyPr/>
+          <a:lstStyle/>
+          <a:p>
+            <a:r>
+              <a:rPr lang="pt-PT" dirty="0"/>
+              <a:t>Transações</a:t>
+            </a:r>
+          </a:p>
+        </p:txBody>
+      </p:sp>
+      <p:sp>
+        <p:nvSpPr>
+          <p:cNvPr id="3" name="Marcador de Posição de Conteúdo 2">
+            <a:extLst>
+              <a:ext uri="{FF2B5EF4-FFF2-40B4-BE49-F238E27FC236}">
+                <a16:creationId xmlns:a16="http://schemas.microsoft.com/office/drawing/2014/main" id="{AEDE3D9B-C2D6-479C-8EA1-C30840F856F0}"/>
+              </a:ext>
+            </a:extLst>
+          </p:cNvPr>
+          <p:cNvSpPr>
+            <a:spLocks noGrp="1"/>
+          </p:cNvSpPr>
+          <p:nvPr>
+            <p:ph idx="1"/>
+          </p:nvPr>
+        </p:nvSpPr>
+        <p:spPr/>
+        <p:txBody>
+          <a:bodyPr/>
+          <a:lstStyle/>
+          <a:p>
+            <a:r>
+              <a:rPr lang="pt-PT" dirty="0"/>
+              <a:t>As transações desempenham um papel crucial.</a:t>
+            </a:r>
+          </a:p>
+          <a:p>
+            <a:r>
+              <a:rPr lang="pt-PT" dirty="0"/>
+              <a:t>Todo o povoamento é efetuado com base em transações, evitando erros que levem à inconsistência de dados.</a:t>
+            </a:r>
+          </a:p>
+        </p:txBody>
+      </p:sp>
+    </p:spTree>
+    <p:extLst>
+      <p:ext uri="{BB962C8B-B14F-4D97-AF65-F5344CB8AC3E}">
+        <p14:creationId xmlns:p14="http://schemas.microsoft.com/office/powerpoint/2010/main" val="3669748651"/>
+      </p:ext>
+    </p:extLst>
+  </p:cSld>
+  <p:clrMapOvr>
+    <a:masterClrMapping/>
+  </p:clrMapOvr>
+</p:sld>
+</file>
+
+<file path=ppt/slides/slide17.xml><?xml version="1.0" encoding="utf-8"?>
+<p:sld xmlns:a="http://schemas.openxmlformats.org/drawingml/2006/main" xmlns:r="http://schemas.openxmlformats.org/officeDocument/2006/relationships" xmlns:p="http://schemas.openxmlformats.org/presentationml/2006/main">
+  <p:cSld>
+    <p:spTree>
+      <p:nvGrpSpPr>
+        <p:cNvPr id="1" name=""/>
+        <p:cNvGrpSpPr/>
+        <p:nvPr/>
+      </p:nvGrpSpPr>
+      <p:grpSpPr>
+        <a:xfrm>
+          <a:off x="0" y="0"/>
+          <a:ext cx="0" cy="0"/>
+          <a:chOff x="0" y="0"/>
+          <a:chExt cx="0" cy="0"/>
+        </a:xfrm>
+      </p:grpSpPr>
+      <p:sp>
+        <p:nvSpPr>
+          <p:cNvPr id="2" name="Título 1">
+            <a:extLst>
+              <a:ext uri="{FF2B5EF4-FFF2-40B4-BE49-F238E27FC236}">
+                <a16:creationId xmlns:a16="http://schemas.microsoft.com/office/drawing/2014/main" id="{D91041CB-D0B6-406A-BA21-1BA162383751}"/>
+              </a:ext>
+            </a:extLst>
+          </p:cNvPr>
+          <p:cNvSpPr>
+            <a:spLocks noGrp="1"/>
+          </p:cNvSpPr>
+          <p:nvPr>
+            <p:ph type="title"/>
+          </p:nvPr>
+        </p:nvSpPr>
+        <p:spPr/>
+        <p:txBody>
+          <a:bodyPr/>
+          <a:lstStyle/>
+          <a:p>
+            <a:r>
+              <a:rPr lang="pt-PT" dirty="0"/>
+              <a:t>Povoamento</a:t>
+            </a:r>
+          </a:p>
+        </p:txBody>
+      </p:sp>
+      <p:sp>
+        <p:nvSpPr>
+          <p:cNvPr id="3" name="Marcador de Posição de Conteúdo 2">
+            <a:extLst>
+              <a:ext uri="{FF2B5EF4-FFF2-40B4-BE49-F238E27FC236}">
+                <a16:creationId xmlns:a16="http://schemas.microsoft.com/office/drawing/2014/main" id="{F9F691FB-2980-45E3-A02B-A7300896AF44}"/>
+              </a:ext>
+            </a:extLst>
+          </p:cNvPr>
+          <p:cNvSpPr>
+            <a:spLocks noGrp="1"/>
+          </p:cNvSpPr>
+          <p:nvPr>
+            <p:ph idx="1"/>
+          </p:nvPr>
+        </p:nvSpPr>
+        <p:spPr/>
+        <p:txBody>
+          <a:bodyPr/>
+          <a:lstStyle/>
+          <a:p>
+            <a:r>
+              <a:rPr lang="pt-PT" dirty="0"/>
+              <a:t>O povoamento foi efetuado, essencialmente, com base nos procedimentos criados.</a:t>
+            </a:r>
+          </a:p>
+          <a:p>
+            <a:r>
+              <a:rPr lang="pt-PT" dirty="0"/>
+              <a:t>Procurou-se simular grande parte das situações que poderão ocorrer, por forma a provar o cumprimento de todos os requisitos.</a:t>
+            </a:r>
+          </a:p>
+        </p:txBody>
+      </p:sp>
+    </p:spTree>
+    <p:extLst>
+      <p:ext uri="{BB962C8B-B14F-4D97-AF65-F5344CB8AC3E}">
+        <p14:creationId xmlns:p14="http://schemas.microsoft.com/office/powerpoint/2010/main" val="169145127"/>
+      </p:ext>
+    </p:extLst>
+  </p:cSld>
+  <p:clrMapOvr>
+    <a:masterClrMapping/>
+  </p:clrMapOvr>
+</p:sld>
+</file>
+
+<file path=ppt/slides/slide18.xml><?xml version="1.0" encoding="utf-8"?>
+<p:sld xmlns:a="http://schemas.openxmlformats.org/drawingml/2006/main" xmlns:r="http://schemas.openxmlformats.org/officeDocument/2006/relationships" xmlns:p="http://schemas.openxmlformats.org/presentationml/2006/main">
+  <p:cSld>
+    <p:bg>
+      <p:bgPr>
+        <a:solidFill>
+          <a:schemeClr val="bg1"/>
+        </a:solidFill>
+        <a:effectLst/>
+      </p:bgPr>
+    </p:bg>
+    <p:spTree>
+      <p:nvGrpSpPr>
+        <p:cNvPr id="1" name=""/>
+        <p:cNvGrpSpPr/>
+        <p:nvPr/>
+      </p:nvGrpSpPr>
+      <p:grpSpPr>
+        <a:xfrm>
+          <a:off x="0" y="0"/>
+          <a:ext cx="0" cy="0"/>
+          <a:chOff x="0" y="0"/>
+          <a:chExt cx="0" cy="0"/>
+        </a:xfrm>
+      </p:grpSpPr>
+      <p:sp>
+        <p:nvSpPr>
+          <p:cNvPr id="2" name="Título 1">
+            <a:extLst>
+              <a:ext uri="{FF2B5EF4-FFF2-40B4-BE49-F238E27FC236}">
+                <a16:creationId xmlns:a16="http://schemas.microsoft.com/office/drawing/2014/main" id="{8A806109-EDCF-46BA-B29B-3A68ED64CED1}"/>
+              </a:ext>
+            </a:extLst>
+          </p:cNvPr>
+          <p:cNvSpPr>
+            <a:spLocks noGrp="1"/>
+          </p:cNvSpPr>
+          <p:nvPr>
+            <p:ph type="title"/>
+          </p:nvPr>
+        </p:nvSpPr>
+        <p:spPr>
+          <a:xfrm>
+            <a:off x="3372114" y="1083731"/>
+            <a:ext cx="8184221" cy="4758797"/>
+          </a:xfrm>
+        </p:spPr>
+        <p:txBody>
+          <a:bodyPr vert="horz" lIns="91440" tIns="45720" rIns="91440" bIns="45720" rtlCol="0" anchor="ctr">
+            <a:normAutofit/>
+          </a:bodyPr>
+          <a:lstStyle/>
+          <a:p>
+            <a:r>
+              <a:rPr lang="en-US" sz="7200" spc="-100" dirty="0"/>
+              <a:t>Sistema NoSQL</a:t>
+            </a:r>
+          </a:p>
+        </p:txBody>
+      </p:sp>
+    </p:spTree>
+    <p:extLst>
+      <p:ext uri="{BB962C8B-B14F-4D97-AF65-F5344CB8AC3E}">
+        <p14:creationId xmlns:p14="http://schemas.microsoft.com/office/powerpoint/2010/main" val="3203147526"/>
+      </p:ext>
+    </p:extLst>
+  </p:cSld>
+  <p:clrMapOvr>
+    <a:masterClrMapping/>
+  </p:clrMapOvr>
+</p:sld>
+</file>
+
+<file path=ppt/slides/slide19.xml><?xml version="1.0" encoding="utf-8"?>
+<p:sld xmlns:a="http://schemas.openxmlformats.org/drawingml/2006/main" xmlns:r="http://schemas.openxmlformats.org/officeDocument/2006/relationships" xmlns:p="http://schemas.openxmlformats.org/presentationml/2006/main">
+  <p:cSld>
+    <p:spTree>
+      <p:nvGrpSpPr>
+        <p:cNvPr id="1" name=""/>
+        <p:cNvGrpSpPr/>
+        <p:nvPr/>
+      </p:nvGrpSpPr>
+      <p:grpSpPr>
+        <a:xfrm>
+          <a:off x="0" y="0"/>
+          <a:ext cx="0" cy="0"/>
+          <a:chOff x="0" y="0"/>
+          <a:chExt cx="0" cy="0"/>
+        </a:xfrm>
+      </p:grpSpPr>
+      <p:sp>
+        <p:nvSpPr>
+          <p:cNvPr id="2" name="Título 1">
+            <a:extLst>
+              <a:ext uri="{FF2B5EF4-FFF2-40B4-BE49-F238E27FC236}">
+                <a16:creationId xmlns:a16="http://schemas.microsoft.com/office/drawing/2014/main" id="{52B1E1D0-CEF7-4357-8720-B295BB6BA92F}"/>
+              </a:ext>
+            </a:extLst>
+          </p:cNvPr>
+          <p:cNvSpPr>
+            <a:spLocks noGrp="1"/>
+          </p:cNvSpPr>
+          <p:nvPr>
+            <p:ph type="title"/>
+          </p:nvPr>
+        </p:nvSpPr>
+        <p:spPr/>
+        <p:txBody>
+          <a:bodyPr/>
+          <a:lstStyle/>
+          <a:p>
+            <a:r>
+              <a:rPr lang="pt-PT" dirty="0"/>
+              <a:t>Migração de Dados</a:t>
+            </a:r>
+          </a:p>
+        </p:txBody>
+      </p:sp>
+      <p:sp>
+        <p:nvSpPr>
+          <p:cNvPr id="3" name="Marcador de Posição de Conteúdo 2">
+            <a:extLst>
+              <a:ext uri="{FF2B5EF4-FFF2-40B4-BE49-F238E27FC236}">
+                <a16:creationId xmlns:a16="http://schemas.microsoft.com/office/drawing/2014/main" id="{20C5A328-DC8D-4764-BEE6-8227347873D7}"/>
+              </a:ext>
+            </a:extLst>
+          </p:cNvPr>
+          <p:cNvSpPr>
+            <a:spLocks noGrp="1"/>
+          </p:cNvSpPr>
+          <p:nvPr>
+            <p:ph idx="1"/>
+          </p:nvPr>
+        </p:nvSpPr>
+        <p:spPr/>
+        <p:txBody>
+          <a:bodyPr/>
+          <a:lstStyle/>
+          <a:p>
+            <a:r>
+              <a:rPr lang="pt-PT" dirty="0"/>
+              <a:t>A migração de dados consiste em três etapas: extração, transformação e inserção.</a:t>
+            </a:r>
+          </a:p>
+          <a:p>
+            <a:r>
+              <a:rPr lang="pt-PT" dirty="0"/>
+              <a:t>Permite transformar a base de dados e manter, de forma simples e o mais fiel possível, os dados pré-existentes.</a:t>
+            </a:r>
+          </a:p>
+          <a:p>
+            <a:r>
+              <a:rPr lang="pt-PT" dirty="0"/>
+              <a:t>Foi desenvolvido um programa em </a:t>
+            </a:r>
+            <a:r>
+              <a:rPr lang="pt-PT" i="1" dirty="0"/>
+              <a:t>Python</a:t>
+            </a:r>
+            <a:r>
+              <a:rPr lang="pt-PT" dirty="0"/>
+              <a:t> para realizar este processo.</a:t>
+            </a:r>
+          </a:p>
+        </p:txBody>
+      </p:sp>
+    </p:spTree>
+    <p:extLst>
+      <p:ext uri="{BB962C8B-B14F-4D97-AF65-F5344CB8AC3E}">
+        <p14:creationId xmlns:p14="http://schemas.microsoft.com/office/powerpoint/2010/main" val="600000467"/>
+      </p:ext>
+    </p:extLst>
+  </p:cSld>
+  <p:clrMapOvr>
+    <a:masterClrMapping/>
+  </p:clrMapOvr>
+</p:sld>
+</file>
+
+<file path=ppt/slides/slide2.xml><?xml version="1.0" encoding="utf-8"?>
+<p:sld xmlns:a="http://schemas.openxmlformats.org/drawingml/2006/main" xmlns:r="http://schemas.openxmlformats.org/officeDocument/2006/relationships" xmlns:p="http://schemas.openxmlformats.org/presentationml/2006/main">
+  <p:cSld>
+    <p:bg>
+      <p:bgPr>
+        <a:solidFill>
+          <a:schemeClr val="bg1"/>
+        </a:solidFill>
+        <a:effectLst/>
+      </p:bgPr>
+    </p:bg>
+    <p:spTree>
+      <p:nvGrpSpPr>
+        <p:cNvPr id="1" name=""/>
+        <p:cNvGrpSpPr/>
+        <p:nvPr/>
+      </p:nvGrpSpPr>
+      <p:grpSpPr>
+        <a:xfrm>
+          <a:off x="0" y="0"/>
+          <a:ext cx="0" cy="0"/>
+          <a:chOff x="0" y="0"/>
+          <a:chExt cx="0" cy="0"/>
+        </a:xfrm>
+      </p:grpSpPr>
+      <p:sp>
+        <p:nvSpPr>
+          <p:cNvPr id="3" name="Marcador de Posição de Conteúdo 2">
+            <a:extLst>
+              <a:ext uri="{FF2B5EF4-FFF2-40B4-BE49-F238E27FC236}">
+                <a16:creationId xmlns:a16="http://schemas.microsoft.com/office/drawing/2014/main" id="{8E855EE6-A2B6-45D3-B662-05F2A5D800F6}"/>
+              </a:ext>
+            </a:extLst>
+          </p:cNvPr>
+          <p:cNvSpPr>
+            <a:spLocks noGrp="1"/>
+          </p:cNvSpPr>
+          <p:nvPr>
+            <p:ph idx="1"/>
+          </p:nvPr>
+        </p:nvSpPr>
+        <p:spPr>
+          <a:xfrm>
+            <a:off x="643467" y="864108"/>
+            <a:ext cx="10905066" cy="4023578"/>
+          </a:xfrm>
+        </p:spPr>
+        <p:txBody>
+          <a:bodyPr>
+            <a:normAutofit/>
+          </a:bodyPr>
+          <a:lstStyle/>
+          <a:p>
+            <a:r>
+              <a:rPr lang="pt-PT" dirty="0"/>
+              <a:t>Este PowerPoint destina-se à apresentação do projeto desenvolvido pelo grupo 21 da Unidade Curricular de Bases de Dados, do ano letivo 2018/2019.</a:t>
+            </a:r>
+          </a:p>
+          <a:p>
+            <a:r>
+              <a:rPr lang="pt-PT" dirty="0"/>
+              <a:t>O grupo é constituído por:</a:t>
+            </a:r>
+          </a:p>
+          <a:p>
+            <a:pPr lvl="1"/>
+            <a:r>
+              <a:rPr lang="pt-PT" dirty="0"/>
+              <a:t>(PREENCHER)</a:t>
+            </a:r>
+          </a:p>
+          <a:p>
+            <a:pPr lvl="1"/>
+            <a:endParaRPr lang="pt-PT" dirty="0"/>
+          </a:p>
+        </p:txBody>
+      </p:sp>
+    </p:spTree>
+    <p:extLst>
+      <p:ext uri="{BB962C8B-B14F-4D97-AF65-F5344CB8AC3E}">
+        <p14:creationId xmlns:p14="http://schemas.microsoft.com/office/powerpoint/2010/main" val="4277672166"/>
+      </p:ext>
+    </p:extLst>
+  </p:cSld>
+  <p:clrMapOvr>
+    <a:masterClrMapping/>
+  </p:clrMapOvr>
+</p:sld>
+</file>
+
+<file path=ppt/slides/slide20.xml><?xml version="1.0" encoding="utf-8"?>
+<p:sld xmlns:a="http://schemas.openxmlformats.org/drawingml/2006/main" xmlns:r="http://schemas.openxmlformats.org/officeDocument/2006/relationships" xmlns:p="http://schemas.openxmlformats.org/presentationml/2006/main">
+  <p:cSld>
+    <p:bg>
+      <p:bgPr>
+        <a:solidFill>
+          <a:schemeClr val="bg1"/>
+        </a:solidFill>
+        <a:effectLst/>
+      </p:bgPr>
+    </p:bg>
+    <p:spTree>
+      <p:nvGrpSpPr>
+        <p:cNvPr id="1" name=""/>
+        <p:cNvGrpSpPr/>
+        <p:nvPr/>
+      </p:nvGrpSpPr>
+      <p:grpSpPr>
+        <a:xfrm>
+          <a:off x="0" y="0"/>
+          <a:ext cx="0" cy="0"/>
+          <a:chOff x="0" y="0"/>
+          <a:chExt cx="0" cy="0"/>
+        </a:xfrm>
+      </p:grpSpPr>
+      <p:sp>
+        <p:nvSpPr>
+          <p:cNvPr id="2" name="Título 1">
+            <a:extLst>
+              <a:ext uri="{FF2B5EF4-FFF2-40B4-BE49-F238E27FC236}">
+                <a16:creationId xmlns:a16="http://schemas.microsoft.com/office/drawing/2014/main" id="{43A302EF-F259-423A-AABA-D435E6DAB644}"/>
+              </a:ext>
+            </a:extLst>
+          </p:cNvPr>
+          <p:cNvSpPr>
+            <a:spLocks noGrp="1"/>
+          </p:cNvSpPr>
+          <p:nvPr>
+            <p:ph type="title"/>
+          </p:nvPr>
+        </p:nvSpPr>
+        <p:spPr>
+          <a:xfrm>
+            <a:off x="1539116" y="864108"/>
+            <a:ext cx="3073914" cy="5120639"/>
+          </a:xfrm>
+        </p:spPr>
+        <p:txBody>
+          <a:bodyPr>
+            <a:normAutofit/>
+          </a:bodyPr>
+          <a:lstStyle/>
+          <a:p>
+            <a:pPr algn="r"/>
+            <a:r>
+              <a:rPr lang="pt-PT">
+                <a:solidFill>
+                  <a:schemeClr val="tx1">
+                    <a:lumMod val="85000"/>
+                    <a:lumOff val="15000"/>
+                  </a:schemeClr>
+                </a:solidFill>
+              </a:rPr>
+              <a:t>Extração de dados</a:t>
+            </a:r>
+          </a:p>
+        </p:txBody>
+      </p:sp>
+      <p:sp>
+        <p:nvSpPr>
+          <p:cNvPr id="3" name="Marcador de Posição de Conteúdo 2">
+            <a:extLst>
+              <a:ext uri="{FF2B5EF4-FFF2-40B4-BE49-F238E27FC236}">
+                <a16:creationId xmlns:a16="http://schemas.microsoft.com/office/drawing/2014/main" id="{5CFA4CA2-CB2C-4739-993B-BAD2D5A2FAC4}"/>
+              </a:ext>
+            </a:extLst>
+          </p:cNvPr>
+          <p:cNvSpPr>
+            <a:spLocks noGrp="1"/>
+          </p:cNvSpPr>
+          <p:nvPr>
+            <p:ph idx="1"/>
+          </p:nvPr>
+        </p:nvSpPr>
+        <p:spPr>
+          <a:xfrm>
+            <a:off x="5289229" y="864108"/>
+            <a:ext cx="5910677" cy="5120640"/>
+          </a:xfrm>
+        </p:spPr>
+        <p:txBody>
+          <a:bodyPr>
+            <a:normAutofit/>
+          </a:bodyPr>
+          <a:lstStyle/>
+          <a:p>
+            <a:endParaRPr lang="pt-PT" dirty="0"/>
+          </a:p>
+        </p:txBody>
+      </p:sp>
+    </p:spTree>
+    <p:extLst>
+      <p:ext uri="{BB962C8B-B14F-4D97-AF65-F5344CB8AC3E}">
+        <p14:creationId xmlns:p14="http://schemas.microsoft.com/office/powerpoint/2010/main" val="2344459752"/>
+      </p:ext>
+    </p:extLst>
+  </p:cSld>
+  <p:clrMapOvr>
+    <a:masterClrMapping/>
+  </p:clrMapOvr>
+</p:sld>
+</file>
+
+<file path=ppt/slides/slide21.xml><?xml version="1.0" encoding="utf-8"?>
+<p:sld xmlns:a="http://schemas.openxmlformats.org/drawingml/2006/main" xmlns:r="http://schemas.openxmlformats.org/officeDocument/2006/relationships" xmlns:p="http://schemas.openxmlformats.org/presentationml/2006/main">
+  <p:cSld>
+    <p:bg>
+      <p:bgPr>
+        <a:solidFill>
+          <a:schemeClr val="bg1"/>
+        </a:solidFill>
+        <a:effectLst/>
+      </p:bgPr>
+    </p:bg>
+    <p:spTree>
+      <p:nvGrpSpPr>
+        <p:cNvPr id="1" name=""/>
+        <p:cNvGrpSpPr/>
+        <p:nvPr/>
+      </p:nvGrpSpPr>
+      <p:grpSpPr>
+        <a:xfrm>
+          <a:off x="0" y="0"/>
+          <a:ext cx="0" cy="0"/>
+          <a:chOff x="0" y="0"/>
+          <a:chExt cx="0" cy="0"/>
+        </a:xfrm>
+      </p:grpSpPr>
+      <p:sp>
+        <p:nvSpPr>
+          <p:cNvPr id="2" name="Título 1">
+            <a:extLst>
+              <a:ext uri="{FF2B5EF4-FFF2-40B4-BE49-F238E27FC236}">
+                <a16:creationId xmlns:a16="http://schemas.microsoft.com/office/drawing/2014/main" id="{E9BF8D5C-8CAF-4BE8-8700-C1B546E7C9E3}"/>
+              </a:ext>
+            </a:extLst>
+          </p:cNvPr>
+          <p:cNvSpPr>
+            <a:spLocks noGrp="1"/>
+          </p:cNvSpPr>
+          <p:nvPr>
+            <p:ph type="title"/>
+          </p:nvPr>
+        </p:nvSpPr>
+        <p:spPr>
+          <a:xfrm>
+            <a:off x="1539116" y="864108"/>
+            <a:ext cx="3073914" cy="5120639"/>
+          </a:xfrm>
+        </p:spPr>
+        <p:txBody>
+          <a:bodyPr>
+            <a:normAutofit/>
+          </a:bodyPr>
+          <a:lstStyle/>
+          <a:p>
+            <a:pPr algn="r"/>
+            <a:r>
+              <a:rPr lang="pt-PT">
+                <a:solidFill>
+                  <a:schemeClr val="tx1">
+                    <a:lumMod val="85000"/>
+                    <a:lumOff val="15000"/>
+                  </a:schemeClr>
+                </a:solidFill>
+              </a:rPr>
+              <a:t>Transformação de dados</a:t>
+            </a:r>
+          </a:p>
+        </p:txBody>
+      </p:sp>
+      <p:sp>
+        <p:nvSpPr>
+          <p:cNvPr id="3" name="Marcador de Posição de Conteúdo 2">
+            <a:extLst>
+              <a:ext uri="{FF2B5EF4-FFF2-40B4-BE49-F238E27FC236}">
+                <a16:creationId xmlns:a16="http://schemas.microsoft.com/office/drawing/2014/main" id="{3F7F4B03-EB9A-498C-AE4B-AFB894A40B4F}"/>
+              </a:ext>
+            </a:extLst>
+          </p:cNvPr>
+          <p:cNvSpPr>
+            <a:spLocks noGrp="1"/>
+          </p:cNvSpPr>
+          <p:nvPr>
+            <p:ph idx="1"/>
+          </p:nvPr>
+        </p:nvSpPr>
+        <p:spPr>
+          <a:xfrm>
+            <a:off x="5289229" y="864108"/>
+            <a:ext cx="5910677" cy="5120640"/>
+          </a:xfrm>
+        </p:spPr>
+        <p:txBody>
+          <a:bodyPr>
+            <a:normAutofit/>
+          </a:bodyPr>
+          <a:lstStyle/>
+          <a:p>
+            <a:endParaRPr lang="pt-PT"/>
+          </a:p>
+        </p:txBody>
+      </p:sp>
+    </p:spTree>
+    <p:extLst>
+      <p:ext uri="{BB962C8B-B14F-4D97-AF65-F5344CB8AC3E}">
+        <p14:creationId xmlns:p14="http://schemas.microsoft.com/office/powerpoint/2010/main" val="2476012893"/>
+      </p:ext>
+    </p:extLst>
+  </p:cSld>
+  <p:clrMapOvr>
+    <a:masterClrMapping/>
+  </p:clrMapOvr>
+</p:sld>
+</file>
+
+<file path=ppt/slides/slide22.xml><?xml version="1.0" encoding="utf-8"?>
+<p:sld xmlns:a="http://schemas.openxmlformats.org/drawingml/2006/main" xmlns:r="http://schemas.openxmlformats.org/officeDocument/2006/relationships" xmlns:p="http://schemas.openxmlformats.org/presentationml/2006/main">
+  <p:cSld>
+    <p:bg>
+      <p:bgPr>
+        <a:solidFill>
+          <a:schemeClr val="bg1"/>
+        </a:solidFill>
+        <a:effectLst/>
+      </p:bgPr>
+    </p:bg>
+    <p:spTree>
+      <p:nvGrpSpPr>
+        <p:cNvPr id="1" name=""/>
+        <p:cNvGrpSpPr/>
+        <p:nvPr/>
+      </p:nvGrpSpPr>
+      <p:grpSpPr>
+        <a:xfrm>
+          <a:off x="0" y="0"/>
+          <a:ext cx="0" cy="0"/>
+          <a:chOff x="0" y="0"/>
+          <a:chExt cx="0" cy="0"/>
+        </a:xfrm>
+      </p:grpSpPr>
+      <p:sp>
+        <p:nvSpPr>
+          <p:cNvPr id="2" name="Título 1">
+            <a:extLst>
+              <a:ext uri="{FF2B5EF4-FFF2-40B4-BE49-F238E27FC236}">
+                <a16:creationId xmlns:a16="http://schemas.microsoft.com/office/drawing/2014/main" id="{F81190A4-F032-4D80-B8FE-764CB8B9AABC}"/>
+              </a:ext>
+            </a:extLst>
+          </p:cNvPr>
+          <p:cNvSpPr>
+            <a:spLocks noGrp="1"/>
+          </p:cNvSpPr>
+          <p:nvPr>
+            <p:ph type="title"/>
+          </p:nvPr>
+        </p:nvSpPr>
+        <p:spPr>
+          <a:xfrm>
+            <a:off x="1539116" y="864108"/>
+            <a:ext cx="3073914" cy="5120639"/>
+          </a:xfrm>
+        </p:spPr>
+        <p:txBody>
+          <a:bodyPr>
+            <a:normAutofit/>
+          </a:bodyPr>
+          <a:lstStyle/>
+          <a:p>
+            <a:pPr algn="r"/>
+            <a:r>
+              <a:rPr lang="pt-PT">
+                <a:solidFill>
+                  <a:schemeClr val="tx1">
+                    <a:lumMod val="85000"/>
+                    <a:lumOff val="15000"/>
+                  </a:schemeClr>
+                </a:solidFill>
+              </a:rPr>
+              <a:t>Inserção de dados</a:t>
+            </a:r>
+          </a:p>
+        </p:txBody>
+      </p:sp>
+      <p:sp>
+        <p:nvSpPr>
+          <p:cNvPr id="3" name="Marcador de Posição de Conteúdo 2">
+            <a:extLst>
+              <a:ext uri="{FF2B5EF4-FFF2-40B4-BE49-F238E27FC236}">
+                <a16:creationId xmlns:a16="http://schemas.microsoft.com/office/drawing/2014/main" id="{47FD63CA-FA20-4F7F-86CF-94F3D5CF10D3}"/>
+              </a:ext>
+            </a:extLst>
+          </p:cNvPr>
+          <p:cNvSpPr>
+            <a:spLocks noGrp="1"/>
+          </p:cNvSpPr>
+          <p:nvPr>
+            <p:ph idx="1"/>
+          </p:nvPr>
+        </p:nvSpPr>
+        <p:spPr>
+          <a:xfrm>
+            <a:off x="5289229" y="864108"/>
+            <a:ext cx="5910677" cy="5120640"/>
+          </a:xfrm>
+        </p:spPr>
+        <p:txBody>
+          <a:bodyPr>
+            <a:normAutofit/>
+          </a:bodyPr>
+          <a:lstStyle/>
+          <a:p>
+            <a:endParaRPr lang="pt-PT"/>
+          </a:p>
+        </p:txBody>
+      </p:sp>
+    </p:spTree>
+    <p:extLst>
+      <p:ext uri="{BB962C8B-B14F-4D97-AF65-F5344CB8AC3E}">
+        <p14:creationId xmlns:p14="http://schemas.microsoft.com/office/powerpoint/2010/main" val="3899764960"/>
+      </p:ext>
+    </p:extLst>
+  </p:cSld>
+  <p:clrMapOvr>
+    <a:masterClrMapping/>
+  </p:clrMapOvr>
+</p:sld>
+</file>
+
+<file path=ppt/slides/slide3.xml><?xml version="1.0" encoding="utf-8"?>
+<p:sld xmlns:a="http://schemas.openxmlformats.org/drawingml/2006/main" xmlns:r="http://schemas.openxmlformats.org/officeDocument/2006/relationships" xmlns:p="http://schemas.openxmlformats.org/presentationml/2006/main">
+  <p:cSld>
+    <p:bg>
+      <p:bgPr>
+        <a:solidFill>
+          <a:schemeClr val="bg1"/>
+        </a:solidFill>
+        <a:effectLst/>
+      </p:bgPr>
+    </p:bg>
+    <p:spTree>
+      <p:nvGrpSpPr>
+        <p:cNvPr id="1" name=""/>
+        <p:cNvGrpSpPr/>
+        <p:nvPr/>
+      </p:nvGrpSpPr>
+      <p:grpSpPr>
+        <a:xfrm>
+          <a:off x="0" y="0"/>
+          <a:ext cx="0" cy="0"/>
+          <a:chOff x="0" y="0"/>
+          <a:chExt cx="0" cy="0"/>
+        </a:xfrm>
+      </p:grpSpPr>
+      <p:sp>
+        <p:nvSpPr>
+          <p:cNvPr id="2" name="Título 1">
+            <a:extLst>
+              <a:ext uri="{FF2B5EF4-FFF2-40B4-BE49-F238E27FC236}">
+                <a16:creationId xmlns:a16="http://schemas.microsoft.com/office/drawing/2014/main" id="{8A806109-EDCF-46BA-B29B-3A68ED64CED1}"/>
+              </a:ext>
+            </a:extLst>
+          </p:cNvPr>
+          <p:cNvSpPr>
+            <a:spLocks noGrp="1"/>
+          </p:cNvSpPr>
+          <p:nvPr>
+            <p:ph type="title"/>
+          </p:nvPr>
+        </p:nvSpPr>
+        <p:spPr>
+          <a:xfrm>
+            <a:off x="3372114" y="1083731"/>
+            <a:ext cx="8184221" cy="4758797"/>
+          </a:xfrm>
+        </p:spPr>
+        <p:txBody>
+          <a:bodyPr vert="horz" lIns="91440" tIns="45720" rIns="91440" bIns="45720" rtlCol="0" anchor="ctr">
+            <a:normAutofit/>
+          </a:bodyPr>
+          <a:lstStyle/>
+          <a:p>
+            <a:r>
+              <a:rPr lang="en-US" sz="7200" spc="-100" dirty="0"/>
+              <a:t>Sistema SQL</a:t>
+            </a:r>
+          </a:p>
+        </p:txBody>
+      </p:sp>
+    </p:spTree>
+    <p:extLst>
+      <p:ext uri="{BB962C8B-B14F-4D97-AF65-F5344CB8AC3E}">
+        <p14:creationId xmlns:p14="http://schemas.microsoft.com/office/powerpoint/2010/main" val="142937319"/>
+      </p:ext>
+    </p:extLst>
+  </p:cSld>
+  <p:clrMapOvr>
+    <a:masterClrMapping/>
+  </p:clrMapOvr>
+</p:sld>
+</file>
+
+<file path=ppt/slides/slide4.xml><?xml version="1.0" encoding="utf-8"?>
+<p:sld xmlns:a="http://schemas.openxmlformats.org/drawingml/2006/main" xmlns:r="http://schemas.openxmlformats.org/officeDocument/2006/relationships" xmlns:p="http://schemas.openxmlformats.org/presentationml/2006/main">
+  <p:cSld>
+    <p:bg>
+      <p:bgPr>
+        <a:solidFill>
+          <a:schemeClr val="bg1"/>
+        </a:solidFill>
+        <a:effectLst/>
+      </p:bgPr>
+    </p:bg>
+    <p:spTree>
+      <p:nvGrpSpPr>
+        <p:cNvPr id="1" name=""/>
+        <p:cNvGrpSpPr/>
+        <p:nvPr/>
+      </p:nvGrpSpPr>
+      <p:grpSpPr>
+        <a:xfrm>
+          <a:off x="0" y="0"/>
+          <a:ext cx="0" cy="0"/>
+          <a:chOff x="0" y="0"/>
+          <a:chExt cx="0" cy="0"/>
+        </a:xfrm>
+      </p:grpSpPr>
+      <p:sp>
+        <p:nvSpPr>
+          <p:cNvPr id="2" name="Título 1">
+            <a:extLst>
+              <a:ext uri="{FF2B5EF4-FFF2-40B4-BE49-F238E27FC236}">
+                <a16:creationId xmlns:a16="http://schemas.microsoft.com/office/drawing/2014/main" id="{8A806109-EDCF-46BA-B29B-3A68ED64CED1}"/>
+              </a:ext>
+            </a:extLst>
+          </p:cNvPr>
+          <p:cNvSpPr>
+            <a:spLocks noGrp="1"/>
+          </p:cNvSpPr>
+          <p:nvPr>
+            <p:ph type="title"/>
+          </p:nvPr>
+        </p:nvSpPr>
+        <p:spPr>
+          <a:xfrm>
+            <a:off x="3722622" y="1298448"/>
+            <a:ext cx="7187529" cy="2951819"/>
+          </a:xfrm>
+        </p:spPr>
+        <p:txBody>
+          <a:bodyPr vert="horz" lIns="91440" tIns="45720" rIns="91440" bIns="45720" rtlCol="0" anchor="b">
+            <a:normAutofit/>
+          </a:bodyPr>
+          <a:lstStyle/>
+          <a:p>
+            <a:r>
+              <a:rPr lang="en-US" sz="5400" spc="-100" dirty="0" err="1"/>
+              <a:t>Levantamento</a:t>
+            </a:r>
+            <a:r>
+              <a:rPr lang="en-US" sz="5400" spc="-100" dirty="0"/>
+              <a:t> e </a:t>
+            </a:r>
+            <a:r>
+              <a:rPr lang="en-US" sz="5400" spc="-100" dirty="0" err="1"/>
+              <a:t>Análise</a:t>
+            </a:r>
+            <a:r>
+              <a:rPr lang="en-US" sz="5400" spc="-100" dirty="0"/>
+              <a:t> de </a:t>
+            </a:r>
+            <a:r>
+              <a:rPr lang="en-US" sz="5400" spc="-100" dirty="0" err="1"/>
+              <a:t>Requisitos</a:t>
+            </a:r>
+            <a:endParaRPr lang="en-US" sz="5400" spc="-100" dirty="0"/>
+          </a:p>
+        </p:txBody>
+      </p:sp>
+    </p:spTree>
+    <p:extLst>
+      <p:ext uri="{BB962C8B-B14F-4D97-AF65-F5344CB8AC3E}">
+        <p14:creationId xmlns:p14="http://schemas.microsoft.com/office/powerpoint/2010/main" val="4019797015"/>
+      </p:ext>
+    </p:extLst>
+  </p:cSld>
+  <p:clrMapOvr>
+    <a:masterClrMapping/>
+  </p:clrMapOvr>
+</p:sld>
+</file>
+
+<file path=ppt/slides/slide5.xml><?xml version="1.0" encoding="utf-8"?>
+<p:sld xmlns:a="http://schemas.openxmlformats.org/drawingml/2006/main" xmlns:r="http://schemas.openxmlformats.org/officeDocument/2006/relationships" xmlns:p="http://schemas.openxmlformats.org/presentationml/2006/main">
+  <p:cSld>
+    <p:spTree>
+      <p:nvGrpSpPr>
+        <p:cNvPr id="1" name=""/>
+        <p:cNvGrpSpPr/>
+        <p:nvPr/>
+      </p:nvGrpSpPr>
+      <p:grpSpPr>
+        <a:xfrm>
+          <a:off x="0" y="0"/>
+          <a:ext cx="0" cy="0"/>
+          <a:chOff x="0" y="0"/>
+          <a:chExt cx="0" cy="0"/>
+        </a:xfrm>
+      </p:grpSpPr>
+      <p:sp>
+        <p:nvSpPr>
+          <p:cNvPr id="2" name="Título 1">
+            <a:extLst>
+              <a:ext uri="{FF2B5EF4-FFF2-40B4-BE49-F238E27FC236}">
+                <a16:creationId xmlns:a16="http://schemas.microsoft.com/office/drawing/2014/main" id="{17433278-6B18-4C74-86EE-83EF5E84A6F5}"/>
+              </a:ext>
+            </a:extLst>
+          </p:cNvPr>
+          <p:cNvSpPr>
+            <a:spLocks noGrp="1"/>
+          </p:cNvSpPr>
+          <p:nvPr>
+            <p:ph type="title"/>
+          </p:nvPr>
+        </p:nvSpPr>
+        <p:spPr/>
+        <p:txBody>
+          <a:bodyPr/>
+          <a:lstStyle/>
+          <a:p>
+            <a:r>
+              <a:rPr lang="pt-PT" dirty="0"/>
+              <a:t>Levantamento e Análise de Requisitos</a:t>
+            </a:r>
+          </a:p>
+        </p:txBody>
+      </p:sp>
+      <p:sp>
+        <p:nvSpPr>
+          <p:cNvPr id="3" name="Marcador de Posição de Conteúdo 2">
+            <a:extLst>
+              <a:ext uri="{FF2B5EF4-FFF2-40B4-BE49-F238E27FC236}">
+                <a16:creationId xmlns:a16="http://schemas.microsoft.com/office/drawing/2014/main" id="{7C6BBE05-69A0-443C-ACE4-AB8958D02706}"/>
+              </a:ext>
+            </a:extLst>
+          </p:cNvPr>
+          <p:cNvSpPr>
+            <a:spLocks noGrp="1"/>
+          </p:cNvSpPr>
+          <p:nvPr>
+            <p:ph idx="1"/>
+          </p:nvPr>
+        </p:nvSpPr>
+        <p:spPr/>
+        <p:txBody>
+          <a:bodyPr/>
+          <a:lstStyle/>
+          <a:p>
+            <a:r>
+              <a:rPr lang="pt-PT" dirty="0"/>
+              <a:t>O levantamento e a análise de requisitos é essencialmente para que se possa identificar o esquema da base de dados e as funcionalidades que a mesma deve ter.</a:t>
+            </a:r>
+          </a:p>
+          <a:p>
+            <a:r>
+              <a:rPr lang="pt-PT" dirty="0"/>
+              <a:t>Este processo permite perceber se é possível implementar tudo o que foi idealizado pelo utilizador.</a:t>
+            </a:r>
+          </a:p>
+        </p:txBody>
+      </p:sp>
+    </p:spTree>
+    <p:extLst>
+      <p:ext uri="{BB962C8B-B14F-4D97-AF65-F5344CB8AC3E}">
+        <p14:creationId xmlns:p14="http://schemas.microsoft.com/office/powerpoint/2010/main" val="521610732"/>
+      </p:ext>
+    </p:extLst>
+  </p:cSld>
+  <p:clrMapOvr>
+    <a:masterClrMapping/>
+  </p:clrMapOvr>
+</p:sld>
+</file>
+
+<file path=ppt/slides/slide6.xml><?xml version="1.0" encoding="utf-8"?>
+<p:sld xmlns:a="http://schemas.openxmlformats.org/drawingml/2006/main" xmlns:r="http://schemas.openxmlformats.org/officeDocument/2006/relationships" xmlns:p="http://schemas.openxmlformats.org/presentationml/2006/main">
+  <p:cSld>
+    <p:bg>
+      <p:bgPr>
+        <a:solidFill>
+          <a:schemeClr val="bg1"/>
+        </a:solidFill>
+        <a:effectLst/>
+      </p:bgPr>
+    </p:bg>
+    <p:spTree>
+      <p:nvGrpSpPr>
+        <p:cNvPr id="1" name=""/>
+        <p:cNvGrpSpPr/>
+        <p:nvPr/>
+      </p:nvGrpSpPr>
+      <p:grpSpPr>
+        <a:xfrm>
+          <a:off x="0" y="0"/>
+          <a:ext cx="0" cy="0"/>
+          <a:chOff x="0" y="0"/>
+          <a:chExt cx="0" cy="0"/>
+        </a:xfrm>
+      </p:grpSpPr>
+      <p:sp>
+        <p:nvSpPr>
+          <p:cNvPr id="2" name="Título 1">
+            <a:extLst>
+              <a:ext uri="{FF2B5EF4-FFF2-40B4-BE49-F238E27FC236}">
+                <a16:creationId xmlns:a16="http://schemas.microsoft.com/office/drawing/2014/main" id="{8A806109-EDCF-46BA-B29B-3A68ED64CED1}"/>
+              </a:ext>
+            </a:extLst>
+          </p:cNvPr>
+          <p:cNvSpPr>
+            <a:spLocks noGrp="1"/>
+          </p:cNvSpPr>
+          <p:nvPr>
+            <p:ph type="title"/>
+          </p:nvPr>
+        </p:nvSpPr>
+        <p:spPr>
+          <a:xfrm>
+            <a:off x="3722622" y="1298448"/>
+            <a:ext cx="7187529" cy="2951819"/>
+          </a:xfrm>
+        </p:spPr>
+        <p:txBody>
+          <a:bodyPr vert="horz" lIns="91440" tIns="45720" rIns="91440" bIns="45720" rtlCol="0" anchor="b">
+            <a:normAutofit/>
+          </a:bodyPr>
+          <a:lstStyle/>
+          <a:p>
+            <a:r>
+              <a:rPr lang="en-US" sz="5400" spc="-100" dirty="0" err="1"/>
+              <a:t>Modelo</a:t>
+            </a:r>
+            <a:r>
+              <a:rPr lang="en-US" sz="5400" spc="-100" dirty="0"/>
+              <a:t> conceptual</a:t>
+            </a:r>
+          </a:p>
+        </p:txBody>
+      </p:sp>
+    </p:spTree>
+    <p:extLst>
+      <p:ext uri="{BB962C8B-B14F-4D97-AF65-F5344CB8AC3E}">
+        <p14:creationId xmlns:p14="http://schemas.microsoft.com/office/powerpoint/2010/main" val="2193795941"/>
+      </p:ext>
+    </p:extLst>
+  </p:cSld>
+  <p:clrMapOvr>
+    <a:masterClrMapping/>
+  </p:clrMapOvr>
+</p:sld>
+</file>
+
+<file path=ppt/slides/slide7.xml><?xml version="1.0" encoding="utf-8"?>
+<p:sld xmlns:a="http://schemas.openxmlformats.org/drawingml/2006/main" xmlns:r="http://schemas.openxmlformats.org/officeDocument/2006/relationships" xmlns:p="http://schemas.openxmlformats.org/presentationml/2006/main">
+  <p:cSld>
+    <p:spTree>
+      <p:nvGrpSpPr>
+        <p:cNvPr id="1" name=""/>
+        <p:cNvGrpSpPr/>
+        <p:nvPr/>
+      </p:nvGrpSpPr>
+      <p:grpSpPr>
+        <a:xfrm>
+          <a:off x="0" y="0"/>
+          <a:ext cx="0" cy="0"/>
+          <a:chOff x="0" y="0"/>
+          <a:chExt cx="0" cy="0"/>
+        </a:xfrm>
+      </p:grpSpPr>
+      <p:sp>
+        <p:nvSpPr>
+          <p:cNvPr id="2" name="Título 1">
+            <a:extLst>
+              <a:ext uri="{FF2B5EF4-FFF2-40B4-BE49-F238E27FC236}">
+                <a16:creationId xmlns:a16="http://schemas.microsoft.com/office/drawing/2014/main" id="{AE456546-DA6E-46DF-9F5C-4EF58253A119}"/>
+              </a:ext>
+            </a:extLst>
+          </p:cNvPr>
+          <p:cNvSpPr>
+            <a:spLocks noGrp="1"/>
+          </p:cNvSpPr>
+          <p:nvPr>
+            <p:ph type="title"/>
+          </p:nvPr>
+        </p:nvSpPr>
+        <p:spPr/>
+        <p:txBody>
+          <a:bodyPr/>
+          <a:lstStyle/>
+          <a:p>
+            <a:r>
+              <a:rPr lang="pt-PT" dirty="0"/>
+              <a:t>Modelo conceptual</a:t>
+            </a:r>
+          </a:p>
+        </p:txBody>
+      </p:sp>
+      <p:sp>
+        <p:nvSpPr>
+          <p:cNvPr id="3" name="Marcador de Posição de Conteúdo 2">
+            <a:extLst>
+              <a:ext uri="{FF2B5EF4-FFF2-40B4-BE49-F238E27FC236}">
+                <a16:creationId xmlns:a16="http://schemas.microsoft.com/office/drawing/2014/main" id="{E4962C93-7678-49DA-9FF3-57DFDFE87038}"/>
+              </a:ext>
+            </a:extLst>
+          </p:cNvPr>
+          <p:cNvSpPr>
+            <a:spLocks noGrp="1"/>
+          </p:cNvSpPr>
+          <p:nvPr>
+            <p:ph idx="1"/>
+          </p:nvPr>
+        </p:nvSpPr>
+        <p:spPr/>
+        <p:txBody>
+          <a:bodyPr/>
+          <a:lstStyle/>
+          <a:p>
+            <a:r>
+              <a:rPr lang="pt-PT" dirty="0"/>
+              <a:t>O modelo conceptual foi construído com base nos requisitos levantados e é o primeiro esboço do que viria a ser a base de dados.</a:t>
+            </a:r>
+          </a:p>
+          <a:p>
+            <a:r>
+              <a:rPr lang="pt-PT" dirty="0"/>
+              <a:t>As entidades são: Cliente, Funcionário, Requisição, Exemplar e Livro.</a:t>
+            </a:r>
+          </a:p>
+          <a:p>
+            <a:r>
+              <a:rPr lang="pt-PT" dirty="0"/>
+              <a:t>Um cliente pode fazer uma requisição, que é registado por um funcionário.</a:t>
+            </a:r>
+          </a:p>
+          <a:p>
+            <a:r>
+              <a:rPr lang="pt-PT" dirty="0"/>
+              <a:t>Uma requisição pode conter um ou mais exemplares, cada um referente a um livro. </a:t>
+            </a:r>
+          </a:p>
+        </p:txBody>
+      </p:sp>
+    </p:spTree>
+    <p:extLst>
+      <p:ext uri="{BB962C8B-B14F-4D97-AF65-F5344CB8AC3E}">
+        <p14:creationId xmlns:p14="http://schemas.microsoft.com/office/powerpoint/2010/main" val="2681730498"/>
+      </p:ext>
+    </p:extLst>
+  </p:cSld>
+  <p:clrMapOvr>
+    <a:masterClrMapping/>
+  </p:clrMapOvr>
+</p:sld>
+</file>
+
+<file path=ppt/slides/slide8.xml><?xml version="1.0" encoding="utf-8"?>
+<p:sld xmlns:a="http://schemas.openxmlformats.org/drawingml/2006/main" xmlns:r="http://schemas.openxmlformats.org/officeDocument/2006/relationships" xmlns:p="http://schemas.openxmlformats.org/presentationml/2006/main">
+  <p:cSld>
+    <p:bg>
+      <p:bgPr>
+        <a:solidFill>
+          <a:schemeClr val="bg1"/>
+        </a:solidFill>
+        <a:effectLst/>
+      </p:bgPr>
+    </p:bg>
+    <p:spTree>
+      <p:nvGrpSpPr>
+        <p:cNvPr id="1" name=""/>
+        <p:cNvGrpSpPr/>
+        <p:nvPr/>
+      </p:nvGrpSpPr>
+      <p:grpSpPr>
+        <a:xfrm>
+          <a:off x="0" y="0"/>
+          <a:ext cx="0" cy="0"/>
+          <a:chOff x="0" y="0"/>
+          <a:chExt cx="0" cy="0"/>
+        </a:xfrm>
+      </p:grpSpPr>
+      <p:pic>
+        <p:nvPicPr>
+          <p:cNvPr id="44" name="Marcador de Posição de Conteúdo 4">
+            <a:extLst>
+              <a:ext uri="{FF2B5EF4-FFF2-40B4-BE49-F238E27FC236}">
+                <a16:creationId xmlns:a16="http://schemas.microsoft.com/office/drawing/2014/main" id="{127EB281-BBF5-4FFC-ABBD-206E2CD16E7B}"/>
+              </a:ext>
+            </a:extLst>
+          </p:cNvPr>
+          <p:cNvPicPr>
+            <a:picLocks noGrp="1" noChangeAspect="1"/>
+          </p:cNvPicPr>
+          <p:nvPr>
+            <p:ph idx="1"/>
+          </p:nvPr>
+        </p:nvPicPr>
+        <p:blipFill>
+          <a:blip r:embed="rId2">
+            <a:extLst>
+              <a:ext uri="{28A0092B-C50C-407E-A947-70E740481C1C}">
+                <a14:useLocalDpi xmlns:a14="http://schemas.microsoft.com/office/drawing/2010/main" val="0"/>
+              </a:ext>
+            </a:extLst>
+          </a:blip>
+          <a:stretch>
+            <a:fillRect/>
+          </a:stretch>
+        </p:blipFill>
+        <p:spPr>
+          <a:xfrm>
+            <a:off x="1075093" y="771434"/>
+            <a:ext cx="10041815" cy="5271953"/>
+          </a:xfrm>
+          <a:prstGeom prst="rect">
+            <a:avLst/>
+          </a:prstGeom>
+        </p:spPr>
+      </p:pic>
+    </p:spTree>
+    <p:extLst>
+      <p:ext uri="{BB962C8B-B14F-4D97-AF65-F5344CB8AC3E}">
+        <p14:creationId xmlns:p14="http://schemas.microsoft.com/office/powerpoint/2010/main" val="2800075085"/>
+      </p:ext>
+    </p:extLst>
+  </p:cSld>
+  <p:clrMapOvr>
+    <a:masterClrMapping/>
+  </p:clrMapOvr>
+</p:sld>
+</file>
+
 <file path=ppt/slides/slide9.xml><?xml version="1.0" encoding="utf-8"?>
 <p:sld xmlns:a="http://schemas.openxmlformats.org/drawingml/2006/main" xmlns:r="http://schemas.openxmlformats.org/officeDocument/2006/relationships" xmlns:p="http://schemas.openxmlformats.org/presentationml/2006/main">
   <p:cSld>
@@ -7016,16 +7908,25 @@
           <a:lstStyle/>
           <a:p>
             <a:r>
-              <a:rPr lang="en-US" sz="5400" spc="-100"/>
-              <a:t>Implementação física</a:t>
-            </a:r>
+              <a:rPr lang="en-US" sz="5400" spc="-100" dirty="0" err="1"/>
+              <a:t>Modelo</a:t>
+            </a:r>
+            <a:r>
+              <a:rPr lang="en-US" sz="5400" spc="-100" dirty="0"/>
+              <a:t> </a:t>
+            </a:r>
+            <a:r>
+              <a:rPr lang="en-US" sz="5400" spc="-100" dirty="0" err="1"/>
+              <a:t>lógico</a:t>
+            </a:r>
+            <a:endParaRPr lang="en-US" sz="5400" spc="-100" dirty="0"/>
           </a:p>
         </p:txBody>
       </p:sp>
     </p:spTree>
     <p:extLst>
       <p:ext uri="{BB962C8B-B14F-4D97-AF65-F5344CB8AC3E}">
-        <p14:creationId xmlns:p14="http://schemas.microsoft.com/office/powerpoint/2010/main" val="1783178158"/>
+        <p14:creationId xmlns:p14="http://schemas.microsoft.com/office/powerpoint/2010/main" val="418045149"/>
       </p:ext>
     </p:extLst>
   </p:cSld>
